--- a/Re-escribiendo Problematica.pptx
+++ b/Re-escribiendo Problematica.pptx
@@ -2,18 +2,18 @@
 <file path=ppt/presentation.xml><?xml version="1.0" encoding="utf-8"?>
 <p:presentation xmlns:a="http://schemas.openxmlformats.org/drawingml/2006/main" xmlns:r="http://schemas.openxmlformats.org/officeDocument/2006/relationships" xmlns:p="http://schemas.openxmlformats.org/presentationml/2006/main" saveSubsetFonts="1">
   <p:sldMasterIdLst>
-    <p:sldMasterId id="2147483648" r:id="rId1"/>
+    <p:sldMasterId id="2147483660" r:id="rId1"/>
   </p:sldMasterIdLst>
   <p:sldIdLst>
     <p:sldId id="256" r:id="rId2"/>
   </p:sldIdLst>
-  <p:sldSz cx="12192000" cy="6858000"/>
+  <p:sldSz cx="36312475" cy="28817888"/>
   <p:notesSz cx="6858000" cy="9144000"/>
   <p:defaultTextStyle>
     <a:defPPr>
-      <a:defRPr lang="es-ES"/>
+      <a:defRPr lang="en-US"/>
     </a:defPPr>
-    <a:lvl1pPr marL="0" algn="l" defTabSz="914400" rtl="0" eaLnBrk="1" latinLnBrk="0" hangingPunct="1">
+    <a:lvl1pPr marL="0" algn="l" defTabSz="457200" rtl="0" eaLnBrk="1" latinLnBrk="0" hangingPunct="1">
       <a:defRPr sz="1800" kern="1200">
         <a:solidFill>
           <a:schemeClr val="tx1"/>
@@ -23,7 +23,7 @@
         <a:cs typeface="+mn-cs"/>
       </a:defRPr>
     </a:lvl1pPr>
-    <a:lvl2pPr marL="457200" algn="l" defTabSz="914400" rtl="0" eaLnBrk="1" latinLnBrk="0" hangingPunct="1">
+    <a:lvl2pPr marL="457200" algn="l" defTabSz="457200" rtl="0" eaLnBrk="1" latinLnBrk="0" hangingPunct="1">
       <a:defRPr sz="1800" kern="1200">
         <a:solidFill>
           <a:schemeClr val="tx1"/>
@@ -33,7 +33,7 @@
         <a:cs typeface="+mn-cs"/>
       </a:defRPr>
     </a:lvl2pPr>
-    <a:lvl3pPr marL="914400" algn="l" defTabSz="914400" rtl="0" eaLnBrk="1" latinLnBrk="0" hangingPunct="1">
+    <a:lvl3pPr marL="914400" algn="l" defTabSz="457200" rtl="0" eaLnBrk="1" latinLnBrk="0" hangingPunct="1">
       <a:defRPr sz="1800" kern="1200">
         <a:solidFill>
           <a:schemeClr val="tx1"/>
@@ -43,7 +43,7 @@
         <a:cs typeface="+mn-cs"/>
       </a:defRPr>
     </a:lvl3pPr>
-    <a:lvl4pPr marL="1371600" algn="l" defTabSz="914400" rtl="0" eaLnBrk="1" latinLnBrk="0" hangingPunct="1">
+    <a:lvl4pPr marL="1371600" algn="l" defTabSz="457200" rtl="0" eaLnBrk="1" latinLnBrk="0" hangingPunct="1">
       <a:defRPr sz="1800" kern="1200">
         <a:solidFill>
           <a:schemeClr val="tx1"/>
@@ -53,7 +53,7 @@
         <a:cs typeface="+mn-cs"/>
       </a:defRPr>
     </a:lvl4pPr>
-    <a:lvl5pPr marL="1828800" algn="l" defTabSz="914400" rtl="0" eaLnBrk="1" latinLnBrk="0" hangingPunct="1">
+    <a:lvl5pPr marL="1828800" algn="l" defTabSz="457200" rtl="0" eaLnBrk="1" latinLnBrk="0" hangingPunct="1">
       <a:defRPr sz="1800" kern="1200">
         <a:solidFill>
           <a:schemeClr val="tx1"/>
@@ -63,7 +63,7 @@
         <a:cs typeface="+mn-cs"/>
       </a:defRPr>
     </a:lvl5pPr>
-    <a:lvl6pPr marL="2286000" algn="l" defTabSz="914400" rtl="0" eaLnBrk="1" latinLnBrk="0" hangingPunct="1">
+    <a:lvl6pPr marL="2286000" algn="l" defTabSz="457200" rtl="0" eaLnBrk="1" latinLnBrk="0" hangingPunct="1">
       <a:defRPr sz="1800" kern="1200">
         <a:solidFill>
           <a:schemeClr val="tx1"/>
@@ -73,7 +73,7 @@
         <a:cs typeface="+mn-cs"/>
       </a:defRPr>
     </a:lvl6pPr>
-    <a:lvl7pPr marL="2743200" algn="l" defTabSz="914400" rtl="0" eaLnBrk="1" latinLnBrk="0" hangingPunct="1">
+    <a:lvl7pPr marL="2743200" algn="l" defTabSz="457200" rtl="0" eaLnBrk="1" latinLnBrk="0" hangingPunct="1">
       <a:defRPr sz="1800" kern="1200">
         <a:solidFill>
           <a:schemeClr val="tx1"/>
@@ -83,7 +83,7 @@
         <a:cs typeface="+mn-cs"/>
       </a:defRPr>
     </a:lvl7pPr>
-    <a:lvl8pPr marL="3200400" algn="l" defTabSz="914400" rtl="0" eaLnBrk="1" latinLnBrk="0" hangingPunct="1">
+    <a:lvl8pPr marL="3200400" algn="l" defTabSz="457200" rtl="0" eaLnBrk="1" latinLnBrk="0" hangingPunct="1">
       <a:defRPr sz="1800" kern="1200">
         <a:solidFill>
           <a:schemeClr val="tx1"/>
@@ -93,7 +93,7 @@
         <a:cs typeface="+mn-cs"/>
       </a:defRPr>
     </a:lvl8pPr>
-    <a:lvl9pPr marL="3657600" algn="l" defTabSz="914400" rtl="0" eaLnBrk="1" latinLnBrk="0" hangingPunct="1">
+    <a:lvl9pPr marL="3657600" algn="l" defTabSz="457200" rtl="0" eaLnBrk="1" latinLnBrk="0" hangingPunct="1">
       <a:defRPr sz="1800" kern="1200">
         <a:solidFill>
           <a:schemeClr val="tx1"/>
@@ -104,6 +104,11 @@
       </a:defRPr>
     </a:lvl9pPr>
   </p:defaultTextStyle>
+  <p:extLst>
+    <p:ext uri="{EFAFB233-063F-42B5-8137-9DF3F51BA10A}">
+      <p15:sldGuideLst xmlns:p15="http://schemas.microsoft.com/office/powerpoint/2012/main"/>
+    </p:ext>
+  </p:extLst>
 </p:presentation>
 </file>
 
@@ -126,13 +131,7 @@
       </p:grpSpPr>
       <p:sp>
         <p:nvSpPr>
-          <p:cNvPr id="2" name="Título 1">
-            <a:extLst>
-              <a:ext uri="{FF2B5EF4-FFF2-40B4-BE49-F238E27FC236}">
-                <a16:creationId xmlns:a16="http://schemas.microsoft.com/office/drawing/2014/main" id="{12DA7F81-AFF6-41E5-9ADA-E17CA3C555C1}"/>
-              </a:ext>
-            </a:extLst>
-          </p:cNvPr>
+          <p:cNvPr id="2" name="Title 1"/>
           <p:cNvSpPr>
             <a:spLocks noGrp="1"/>
           </p:cNvSpPr>
@@ -142,15 +141,15 @@
         </p:nvSpPr>
         <p:spPr>
           <a:xfrm>
-            <a:off x="1524000" y="1122363"/>
-            <a:ext cx="9144000" cy="2387600"/>
+            <a:off x="2723436" y="4716263"/>
+            <a:ext cx="30865604" cy="10032894"/>
           </a:xfrm>
         </p:spPr>
         <p:txBody>
           <a:bodyPr anchor="b"/>
           <a:lstStyle>
             <a:lvl1pPr algn="ctr">
-              <a:defRPr sz="6000"/>
+              <a:defRPr sz="23827"/>
             </a:lvl1pPr>
           </a:lstStyle>
           <a:p>
@@ -158,18 +157,13 @@
               <a:rPr lang="es-ES"/>
               <a:t>Haga clic para modificar el estilo de título del patrón</a:t>
             </a:r>
-          </a:p>
-        </p:txBody>
-      </p:sp>
-      <p:sp>
-        <p:nvSpPr>
-          <p:cNvPr id="3" name="Subtítulo 2">
-            <a:extLst>
-              <a:ext uri="{FF2B5EF4-FFF2-40B4-BE49-F238E27FC236}">
-                <a16:creationId xmlns:a16="http://schemas.microsoft.com/office/drawing/2014/main" id="{60BADC19-80A1-420A-8FE6-229D49F69923}"/>
-              </a:ext>
-            </a:extLst>
-          </p:cNvPr>
+            <a:endParaRPr lang="en-US" dirty="0"/>
+          </a:p>
+        </p:txBody>
+      </p:sp>
+      <p:sp>
+        <p:nvSpPr>
+          <p:cNvPr id="3" name="Subtitle 2"/>
           <p:cNvSpPr>
             <a:spLocks noGrp="1"/>
           </p:cNvSpPr>
@@ -179,8 +173,8 @@
         </p:nvSpPr>
         <p:spPr>
           <a:xfrm>
-            <a:off x="1524000" y="3602038"/>
-            <a:ext cx="9144000" cy="1655762"/>
+            <a:off x="4539060" y="15136064"/>
+            <a:ext cx="27234356" cy="6957650"/>
           </a:xfrm>
         </p:spPr>
         <p:txBody>
@@ -188,39 +182,39 @@
           <a:lstStyle>
             <a:lvl1pPr marL="0" indent="0" algn="ctr">
               <a:buNone/>
-              <a:defRPr sz="2400"/>
+              <a:defRPr sz="9531"/>
             </a:lvl1pPr>
-            <a:lvl2pPr marL="457200" indent="0" algn="ctr">
-              <a:buNone/>
-              <a:defRPr sz="2000"/>
+            <a:lvl2pPr marL="1815633" indent="0" algn="ctr">
+              <a:buNone/>
+              <a:defRPr sz="7942"/>
             </a:lvl2pPr>
-            <a:lvl3pPr marL="914400" indent="0" algn="ctr">
-              <a:buNone/>
-              <a:defRPr sz="1800"/>
+            <a:lvl3pPr marL="3631265" indent="0" algn="ctr">
+              <a:buNone/>
+              <a:defRPr sz="7148"/>
             </a:lvl3pPr>
-            <a:lvl4pPr marL="1371600" indent="0" algn="ctr">
-              <a:buNone/>
-              <a:defRPr sz="1600"/>
+            <a:lvl4pPr marL="5446898" indent="0" algn="ctr">
+              <a:buNone/>
+              <a:defRPr sz="6354"/>
             </a:lvl4pPr>
-            <a:lvl5pPr marL="1828800" indent="0" algn="ctr">
-              <a:buNone/>
-              <a:defRPr sz="1600"/>
+            <a:lvl5pPr marL="7262531" indent="0" algn="ctr">
+              <a:buNone/>
+              <a:defRPr sz="6354"/>
             </a:lvl5pPr>
-            <a:lvl6pPr marL="2286000" indent="0" algn="ctr">
-              <a:buNone/>
-              <a:defRPr sz="1600"/>
+            <a:lvl6pPr marL="9078163" indent="0" algn="ctr">
+              <a:buNone/>
+              <a:defRPr sz="6354"/>
             </a:lvl6pPr>
-            <a:lvl7pPr marL="2743200" indent="0" algn="ctr">
-              <a:buNone/>
-              <a:defRPr sz="1600"/>
+            <a:lvl7pPr marL="10893796" indent="0" algn="ctr">
+              <a:buNone/>
+              <a:defRPr sz="6354"/>
             </a:lvl7pPr>
-            <a:lvl8pPr marL="3200400" indent="0" algn="ctr">
-              <a:buNone/>
-              <a:defRPr sz="1600"/>
+            <a:lvl8pPr marL="12709428" indent="0" algn="ctr">
+              <a:buNone/>
+              <a:defRPr sz="6354"/>
             </a:lvl8pPr>
-            <a:lvl9pPr marL="3657600" indent="0" algn="ctr">
-              <a:buNone/>
-              <a:defRPr sz="1600"/>
+            <a:lvl9pPr marL="14525061" indent="0" algn="ctr">
+              <a:buNone/>
+              <a:defRPr sz="6354"/>
             </a:lvl9pPr>
           </a:lstStyle>
           <a:p>
@@ -228,18 +222,13 @@
               <a:rPr lang="es-ES"/>
               <a:t>Haga clic para modificar el estilo de subtítulo del patrón</a:t>
             </a:r>
-          </a:p>
-        </p:txBody>
-      </p:sp>
-      <p:sp>
-        <p:nvSpPr>
-          <p:cNvPr id="4" name="Marcador de fecha 3">
-            <a:extLst>
-              <a:ext uri="{FF2B5EF4-FFF2-40B4-BE49-F238E27FC236}">
-                <a16:creationId xmlns:a16="http://schemas.microsoft.com/office/drawing/2014/main" id="{521FD152-D57D-45E0-B543-00F88DC8B748}"/>
-              </a:ext>
-            </a:extLst>
-          </p:cNvPr>
+            <a:endParaRPr lang="en-US" dirty="0"/>
+          </a:p>
+        </p:txBody>
+      </p:sp>
+      <p:sp>
+        <p:nvSpPr>
+          <p:cNvPr id="4" name="Date Placeholder 3"/>
           <p:cNvSpPr>
             <a:spLocks noGrp="1"/>
           </p:cNvSpPr>
@@ -254,7 +243,7 @@
           <a:p>
             <a:fld id="{ADB589B5-C5A3-41C4-82B4-BDC1054ECB12}" type="datetimeFigureOut">
               <a:rPr lang="es-ES" smtClean="0"/>
-              <a:t>08/04/2018</a:t>
+              <a:t>04/09/2018</a:t>
             </a:fld>
             <a:endParaRPr lang="es-ES"/>
           </a:p>
@@ -262,13 +251,7 @@
       </p:sp>
       <p:sp>
         <p:nvSpPr>
-          <p:cNvPr id="5" name="Marcador de pie de página 4">
-            <a:extLst>
-              <a:ext uri="{FF2B5EF4-FFF2-40B4-BE49-F238E27FC236}">
-                <a16:creationId xmlns:a16="http://schemas.microsoft.com/office/drawing/2014/main" id="{14690280-7EFE-4B7B-A042-13447BFC83C4}"/>
-              </a:ext>
-            </a:extLst>
-          </p:cNvPr>
+          <p:cNvPr id="5" name="Footer Placeholder 4"/>
           <p:cNvSpPr>
             <a:spLocks noGrp="1"/>
           </p:cNvSpPr>
@@ -287,13 +270,7 @@
       </p:sp>
       <p:sp>
         <p:nvSpPr>
-          <p:cNvPr id="6" name="Marcador de número de diapositiva 5">
-            <a:extLst>
-              <a:ext uri="{FF2B5EF4-FFF2-40B4-BE49-F238E27FC236}">
-                <a16:creationId xmlns:a16="http://schemas.microsoft.com/office/drawing/2014/main" id="{66F61889-D9E6-4448-B42B-31EA57A98C57}"/>
-              </a:ext>
-            </a:extLst>
-          </p:cNvPr>
+          <p:cNvPr id="6" name="Slide Number Placeholder 5"/>
           <p:cNvSpPr>
             <a:spLocks noGrp="1"/>
           </p:cNvSpPr>
@@ -317,7 +294,7 @@
     </p:spTree>
     <p:extLst>
       <p:ext uri="{BB962C8B-B14F-4D97-AF65-F5344CB8AC3E}">
-        <p14:creationId xmlns:p14="http://schemas.microsoft.com/office/powerpoint/2010/main" val="1525003437"/>
+        <p14:creationId xmlns:p14="http://schemas.microsoft.com/office/powerpoint/2010/main" val="3644427830"/>
       </p:ext>
     </p:extLst>
   </p:cSld>
@@ -346,13 +323,7 @@
       </p:grpSpPr>
       <p:sp>
         <p:nvSpPr>
-          <p:cNvPr id="2" name="Título 1">
-            <a:extLst>
-              <a:ext uri="{FF2B5EF4-FFF2-40B4-BE49-F238E27FC236}">
-                <a16:creationId xmlns:a16="http://schemas.microsoft.com/office/drawing/2014/main" id="{3F040BE9-F7DF-4A4D-89A6-E14FBEE22841}"/>
-              </a:ext>
-            </a:extLst>
-          </p:cNvPr>
+          <p:cNvPr id="2" name="Title 1"/>
           <p:cNvSpPr>
             <a:spLocks noGrp="1"/>
           </p:cNvSpPr>
@@ -369,18 +340,13 @@
               <a:rPr lang="es-ES"/>
               <a:t>Haga clic para modificar el estilo de título del patrón</a:t>
             </a:r>
-          </a:p>
-        </p:txBody>
-      </p:sp>
-      <p:sp>
-        <p:nvSpPr>
-          <p:cNvPr id="3" name="Marcador de texto vertical 2">
-            <a:extLst>
-              <a:ext uri="{FF2B5EF4-FFF2-40B4-BE49-F238E27FC236}">
-                <a16:creationId xmlns:a16="http://schemas.microsoft.com/office/drawing/2014/main" id="{60F141DF-FEF7-4490-B391-F9191E50C2DB}"/>
-              </a:ext>
-            </a:extLst>
-          </p:cNvPr>
+            <a:endParaRPr lang="en-US" dirty="0"/>
+          </a:p>
+        </p:txBody>
+      </p:sp>
+      <p:sp>
+        <p:nvSpPr>
+          <p:cNvPr id="3" name="Vertical Text Placeholder 2"/>
           <p:cNvSpPr>
             <a:spLocks noGrp="1"/>
           </p:cNvSpPr>
@@ -426,18 +392,13 @@
               <a:rPr lang="es-ES"/>
               <a:t>Quinto nivel</a:t>
             </a:r>
-          </a:p>
-        </p:txBody>
-      </p:sp>
-      <p:sp>
-        <p:nvSpPr>
-          <p:cNvPr id="4" name="Marcador de fecha 3">
-            <a:extLst>
-              <a:ext uri="{FF2B5EF4-FFF2-40B4-BE49-F238E27FC236}">
-                <a16:creationId xmlns:a16="http://schemas.microsoft.com/office/drawing/2014/main" id="{403D50BA-2335-4C8C-9512-7E769B917891}"/>
-              </a:ext>
-            </a:extLst>
-          </p:cNvPr>
+            <a:endParaRPr lang="en-US" dirty="0"/>
+          </a:p>
+        </p:txBody>
+      </p:sp>
+      <p:sp>
+        <p:nvSpPr>
+          <p:cNvPr id="4" name="Date Placeholder 3"/>
           <p:cNvSpPr>
             <a:spLocks noGrp="1"/>
           </p:cNvSpPr>
@@ -452,7 +413,7 @@
           <a:p>
             <a:fld id="{ADB589B5-C5A3-41C4-82B4-BDC1054ECB12}" type="datetimeFigureOut">
               <a:rPr lang="es-ES" smtClean="0"/>
-              <a:t>08/04/2018</a:t>
+              <a:t>04/09/2018</a:t>
             </a:fld>
             <a:endParaRPr lang="es-ES"/>
           </a:p>
@@ -460,13 +421,7 @@
       </p:sp>
       <p:sp>
         <p:nvSpPr>
-          <p:cNvPr id="5" name="Marcador de pie de página 4">
-            <a:extLst>
-              <a:ext uri="{FF2B5EF4-FFF2-40B4-BE49-F238E27FC236}">
-                <a16:creationId xmlns:a16="http://schemas.microsoft.com/office/drawing/2014/main" id="{CB2BC5AE-9C4E-4ADB-BD20-E8A05F4D4578}"/>
-              </a:ext>
-            </a:extLst>
-          </p:cNvPr>
+          <p:cNvPr id="5" name="Footer Placeholder 4"/>
           <p:cNvSpPr>
             <a:spLocks noGrp="1"/>
           </p:cNvSpPr>
@@ -485,13 +440,7 @@
       </p:sp>
       <p:sp>
         <p:nvSpPr>
-          <p:cNvPr id="6" name="Marcador de número de diapositiva 5">
-            <a:extLst>
-              <a:ext uri="{FF2B5EF4-FFF2-40B4-BE49-F238E27FC236}">
-                <a16:creationId xmlns:a16="http://schemas.microsoft.com/office/drawing/2014/main" id="{B7600D7F-4EE2-465C-ACA8-86E17FA2E1DA}"/>
-              </a:ext>
-            </a:extLst>
-          </p:cNvPr>
+          <p:cNvPr id="6" name="Slide Number Placeholder 5"/>
           <p:cNvSpPr>
             <a:spLocks noGrp="1"/>
           </p:cNvSpPr>
@@ -515,7 +464,7 @@
     </p:spTree>
     <p:extLst>
       <p:ext uri="{BB962C8B-B14F-4D97-AF65-F5344CB8AC3E}">
-        <p14:creationId xmlns:p14="http://schemas.microsoft.com/office/powerpoint/2010/main" val="3910569090"/>
+        <p14:creationId xmlns:p14="http://schemas.microsoft.com/office/powerpoint/2010/main" val="3229094304"/>
       </p:ext>
     </p:extLst>
   </p:cSld>
@@ -544,13 +493,7 @@
       </p:grpSpPr>
       <p:sp>
         <p:nvSpPr>
-          <p:cNvPr id="2" name="Título vertical 1">
-            <a:extLst>
-              <a:ext uri="{FF2B5EF4-FFF2-40B4-BE49-F238E27FC236}">
-                <a16:creationId xmlns:a16="http://schemas.microsoft.com/office/drawing/2014/main" id="{5B28CE74-15C1-4D79-BDAC-5A3A0E58BD77}"/>
-              </a:ext>
-            </a:extLst>
-          </p:cNvPr>
+          <p:cNvPr id="2" name="Vertical Title 1"/>
           <p:cNvSpPr>
             <a:spLocks noGrp="1"/>
           </p:cNvSpPr>
@@ -560,8 +503,8 @@
         </p:nvSpPr>
         <p:spPr>
           <a:xfrm>
-            <a:off x="8724900" y="365125"/>
-            <a:ext cx="2628900" cy="5811838"/>
+            <a:off x="25986117" y="1534286"/>
+            <a:ext cx="7829877" cy="24421828"/>
           </a:xfrm>
         </p:spPr>
         <p:txBody>
@@ -572,18 +515,13 @@
               <a:rPr lang="es-ES"/>
               <a:t>Haga clic para modificar el estilo de título del patrón</a:t>
             </a:r>
-          </a:p>
-        </p:txBody>
-      </p:sp>
-      <p:sp>
-        <p:nvSpPr>
-          <p:cNvPr id="3" name="Marcador de texto vertical 2">
-            <a:extLst>
-              <a:ext uri="{FF2B5EF4-FFF2-40B4-BE49-F238E27FC236}">
-                <a16:creationId xmlns:a16="http://schemas.microsoft.com/office/drawing/2014/main" id="{156E12B6-E8DA-45EE-93ED-604ABB8D667E}"/>
-              </a:ext>
-            </a:extLst>
-          </p:cNvPr>
+            <a:endParaRPr lang="en-US" dirty="0"/>
+          </a:p>
+        </p:txBody>
+      </p:sp>
+      <p:sp>
+        <p:nvSpPr>
+          <p:cNvPr id="3" name="Vertical Text Placeholder 2"/>
           <p:cNvSpPr>
             <a:spLocks noGrp="1"/>
           </p:cNvSpPr>
@@ -593,8 +531,8 @@
         </p:nvSpPr>
         <p:spPr>
           <a:xfrm>
-            <a:off x="838200" y="365125"/>
-            <a:ext cx="7734300" cy="5811838"/>
+            <a:off x="2496485" y="1534286"/>
+            <a:ext cx="23035726" cy="24421828"/>
           </a:xfrm>
         </p:spPr>
         <p:txBody>
@@ -634,18 +572,13 @@
               <a:rPr lang="es-ES"/>
               <a:t>Quinto nivel</a:t>
             </a:r>
-          </a:p>
-        </p:txBody>
-      </p:sp>
-      <p:sp>
-        <p:nvSpPr>
-          <p:cNvPr id="4" name="Marcador de fecha 3">
-            <a:extLst>
-              <a:ext uri="{FF2B5EF4-FFF2-40B4-BE49-F238E27FC236}">
-                <a16:creationId xmlns:a16="http://schemas.microsoft.com/office/drawing/2014/main" id="{0E7AB927-6804-4253-BD17-F5778294CDA7}"/>
-              </a:ext>
-            </a:extLst>
-          </p:cNvPr>
+            <a:endParaRPr lang="en-US" dirty="0"/>
+          </a:p>
+        </p:txBody>
+      </p:sp>
+      <p:sp>
+        <p:nvSpPr>
+          <p:cNvPr id="4" name="Date Placeholder 3"/>
           <p:cNvSpPr>
             <a:spLocks noGrp="1"/>
           </p:cNvSpPr>
@@ -660,7 +593,7 @@
           <a:p>
             <a:fld id="{ADB589B5-C5A3-41C4-82B4-BDC1054ECB12}" type="datetimeFigureOut">
               <a:rPr lang="es-ES" smtClean="0"/>
-              <a:t>08/04/2018</a:t>
+              <a:t>04/09/2018</a:t>
             </a:fld>
             <a:endParaRPr lang="es-ES"/>
           </a:p>
@@ -668,13 +601,7 @@
       </p:sp>
       <p:sp>
         <p:nvSpPr>
-          <p:cNvPr id="5" name="Marcador de pie de página 4">
-            <a:extLst>
-              <a:ext uri="{FF2B5EF4-FFF2-40B4-BE49-F238E27FC236}">
-                <a16:creationId xmlns:a16="http://schemas.microsoft.com/office/drawing/2014/main" id="{B4D26E40-0CE8-438E-B313-7E4F7B342B04}"/>
-              </a:ext>
-            </a:extLst>
-          </p:cNvPr>
+          <p:cNvPr id="5" name="Footer Placeholder 4"/>
           <p:cNvSpPr>
             <a:spLocks noGrp="1"/>
           </p:cNvSpPr>
@@ -693,13 +620,7 @@
       </p:sp>
       <p:sp>
         <p:nvSpPr>
-          <p:cNvPr id="6" name="Marcador de número de diapositiva 5">
-            <a:extLst>
-              <a:ext uri="{FF2B5EF4-FFF2-40B4-BE49-F238E27FC236}">
-                <a16:creationId xmlns:a16="http://schemas.microsoft.com/office/drawing/2014/main" id="{B6502239-5472-49CA-9BFF-760AC08AEC99}"/>
-              </a:ext>
-            </a:extLst>
-          </p:cNvPr>
+          <p:cNvPr id="6" name="Slide Number Placeholder 5"/>
           <p:cNvSpPr>
             <a:spLocks noGrp="1"/>
           </p:cNvSpPr>
@@ -723,7 +644,7 @@
     </p:spTree>
     <p:extLst>
       <p:ext uri="{BB962C8B-B14F-4D97-AF65-F5344CB8AC3E}">
-        <p14:creationId xmlns:p14="http://schemas.microsoft.com/office/powerpoint/2010/main" val="1903713516"/>
+        <p14:creationId xmlns:p14="http://schemas.microsoft.com/office/powerpoint/2010/main" val="11770196"/>
       </p:ext>
     </p:extLst>
   </p:cSld>
@@ -752,13 +673,7 @@
       </p:grpSpPr>
       <p:sp>
         <p:nvSpPr>
-          <p:cNvPr id="2" name="Título 1">
-            <a:extLst>
-              <a:ext uri="{FF2B5EF4-FFF2-40B4-BE49-F238E27FC236}">
-                <a16:creationId xmlns:a16="http://schemas.microsoft.com/office/drawing/2014/main" id="{831E9E67-6BCB-4DD4-9EF9-04A9BFF7E2F6}"/>
-              </a:ext>
-            </a:extLst>
-          </p:cNvPr>
+          <p:cNvPr id="2" name="Title 1"/>
           <p:cNvSpPr>
             <a:spLocks noGrp="1"/>
           </p:cNvSpPr>
@@ -775,18 +690,13 @@
               <a:rPr lang="es-ES"/>
               <a:t>Haga clic para modificar el estilo de título del patrón</a:t>
             </a:r>
-          </a:p>
-        </p:txBody>
-      </p:sp>
-      <p:sp>
-        <p:nvSpPr>
-          <p:cNvPr id="3" name="Marcador de contenido 2">
-            <a:extLst>
-              <a:ext uri="{FF2B5EF4-FFF2-40B4-BE49-F238E27FC236}">
-                <a16:creationId xmlns:a16="http://schemas.microsoft.com/office/drawing/2014/main" id="{CC0B5781-008A-4FC7-9019-DF78CA58AA9D}"/>
-              </a:ext>
-            </a:extLst>
-          </p:cNvPr>
+            <a:endParaRPr lang="en-US" dirty="0"/>
+          </a:p>
+        </p:txBody>
+      </p:sp>
+      <p:sp>
+        <p:nvSpPr>
+          <p:cNvPr id="3" name="Content Placeholder 2"/>
           <p:cNvSpPr>
             <a:spLocks noGrp="1"/>
           </p:cNvSpPr>
@@ -832,18 +742,13 @@
               <a:rPr lang="es-ES"/>
               <a:t>Quinto nivel</a:t>
             </a:r>
-          </a:p>
-        </p:txBody>
-      </p:sp>
-      <p:sp>
-        <p:nvSpPr>
-          <p:cNvPr id="4" name="Marcador de fecha 3">
-            <a:extLst>
-              <a:ext uri="{FF2B5EF4-FFF2-40B4-BE49-F238E27FC236}">
-                <a16:creationId xmlns:a16="http://schemas.microsoft.com/office/drawing/2014/main" id="{D327AF9D-3B10-4624-B3F5-5AD5E050B452}"/>
-              </a:ext>
-            </a:extLst>
-          </p:cNvPr>
+            <a:endParaRPr lang="en-US" dirty="0"/>
+          </a:p>
+        </p:txBody>
+      </p:sp>
+      <p:sp>
+        <p:nvSpPr>
+          <p:cNvPr id="4" name="Date Placeholder 3"/>
           <p:cNvSpPr>
             <a:spLocks noGrp="1"/>
           </p:cNvSpPr>
@@ -858,7 +763,7 @@
           <a:p>
             <a:fld id="{ADB589B5-C5A3-41C4-82B4-BDC1054ECB12}" type="datetimeFigureOut">
               <a:rPr lang="es-ES" smtClean="0"/>
-              <a:t>08/04/2018</a:t>
+              <a:t>04/09/2018</a:t>
             </a:fld>
             <a:endParaRPr lang="es-ES"/>
           </a:p>
@@ -866,13 +771,7 @@
       </p:sp>
       <p:sp>
         <p:nvSpPr>
-          <p:cNvPr id="5" name="Marcador de pie de página 4">
-            <a:extLst>
-              <a:ext uri="{FF2B5EF4-FFF2-40B4-BE49-F238E27FC236}">
-                <a16:creationId xmlns:a16="http://schemas.microsoft.com/office/drawing/2014/main" id="{BB306E98-9AE8-4774-AD67-8E7C5749A49A}"/>
-              </a:ext>
-            </a:extLst>
-          </p:cNvPr>
+          <p:cNvPr id="5" name="Footer Placeholder 4"/>
           <p:cNvSpPr>
             <a:spLocks noGrp="1"/>
           </p:cNvSpPr>
@@ -891,13 +790,7 @@
       </p:sp>
       <p:sp>
         <p:nvSpPr>
-          <p:cNvPr id="6" name="Marcador de número de diapositiva 5">
-            <a:extLst>
-              <a:ext uri="{FF2B5EF4-FFF2-40B4-BE49-F238E27FC236}">
-                <a16:creationId xmlns:a16="http://schemas.microsoft.com/office/drawing/2014/main" id="{9BF5EAEA-BC40-45C9-B095-40A8CA4F7BA5}"/>
-              </a:ext>
-            </a:extLst>
-          </p:cNvPr>
+          <p:cNvPr id="6" name="Slide Number Placeholder 5"/>
           <p:cNvSpPr>
             <a:spLocks noGrp="1"/>
           </p:cNvSpPr>
@@ -921,7 +814,7 @@
     </p:spTree>
     <p:extLst>
       <p:ext uri="{BB962C8B-B14F-4D97-AF65-F5344CB8AC3E}">
-        <p14:creationId xmlns:p14="http://schemas.microsoft.com/office/powerpoint/2010/main" val="2163158955"/>
+        <p14:creationId xmlns:p14="http://schemas.microsoft.com/office/powerpoint/2010/main" val="1352486224"/>
       </p:ext>
     </p:extLst>
   </p:cSld>
@@ -950,13 +843,7 @@
       </p:grpSpPr>
       <p:sp>
         <p:nvSpPr>
-          <p:cNvPr id="2" name="Título 1">
-            <a:extLst>
-              <a:ext uri="{FF2B5EF4-FFF2-40B4-BE49-F238E27FC236}">
-                <a16:creationId xmlns:a16="http://schemas.microsoft.com/office/drawing/2014/main" id="{E12CE418-3628-4D45-BB26-FCFA57209E97}"/>
-              </a:ext>
-            </a:extLst>
-          </p:cNvPr>
+          <p:cNvPr id="2" name="Title 1"/>
           <p:cNvSpPr>
             <a:spLocks noGrp="1"/>
           </p:cNvSpPr>
@@ -966,15 +853,15 @@
         </p:nvSpPr>
         <p:spPr>
           <a:xfrm>
-            <a:off x="831850" y="1709738"/>
-            <a:ext cx="10515600" cy="2852737"/>
+            <a:off x="2477572" y="7184468"/>
+            <a:ext cx="31319510" cy="11987439"/>
           </a:xfrm>
         </p:spPr>
         <p:txBody>
           <a:bodyPr anchor="b"/>
           <a:lstStyle>
             <a:lvl1pPr>
-              <a:defRPr sz="6000"/>
+              <a:defRPr sz="23827"/>
             </a:lvl1pPr>
           </a:lstStyle>
           <a:p>
@@ -982,18 +869,13 @@
               <a:rPr lang="es-ES"/>
               <a:t>Haga clic para modificar el estilo de título del patrón</a:t>
             </a:r>
-          </a:p>
-        </p:txBody>
-      </p:sp>
-      <p:sp>
-        <p:nvSpPr>
-          <p:cNvPr id="3" name="Marcador de texto 2">
-            <a:extLst>
-              <a:ext uri="{FF2B5EF4-FFF2-40B4-BE49-F238E27FC236}">
-                <a16:creationId xmlns:a16="http://schemas.microsoft.com/office/drawing/2014/main" id="{3D81459A-CAC5-4E4B-B0A8-D84C24C6CDD0}"/>
-              </a:ext>
-            </a:extLst>
-          </p:cNvPr>
+            <a:endParaRPr lang="en-US" dirty="0"/>
+          </a:p>
+        </p:txBody>
+      </p:sp>
+      <p:sp>
+        <p:nvSpPr>
+          <p:cNvPr id="3" name="Text Placeholder 2"/>
           <p:cNvSpPr>
             <a:spLocks noGrp="1"/>
           </p:cNvSpPr>
@@ -1003,8 +885,8 @@
         </p:nvSpPr>
         <p:spPr>
           <a:xfrm>
-            <a:off x="831850" y="4589463"/>
-            <a:ext cx="10515600" cy="1500187"/>
+            <a:off x="2477572" y="19285313"/>
+            <a:ext cx="31319510" cy="6303911"/>
           </a:xfrm>
         </p:spPr>
         <p:txBody>
@@ -1012,17 +894,15 @@
           <a:lstStyle>
             <a:lvl1pPr marL="0" indent="0">
               <a:buNone/>
-              <a:defRPr sz="2400">
+              <a:defRPr sz="9531">
                 <a:solidFill>
-                  <a:schemeClr val="tx1">
-                    <a:tint val="75000"/>
-                  </a:schemeClr>
+                  <a:schemeClr val="tx1"/>
                 </a:solidFill>
               </a:defRPr>
             </a:lvl1pPr>
-            <a:lvl2pPr marL="457200" indent="0">
-              <a:buNone/>
-              <a:defRPr sz="2000">
+            <a:lvl2pPr marL="1815633" indent="0">
+              <a:buNone/>
+              <a:defRPr sz="7942">
                 <a:solidFill>
                   <a:schemeClr val="tx1">
                     <a:tint val="75000"/>
@@ -1030,9 +910,9 @@
                 </a:solidFill>
               </a:defRPr>
             </a:lvl2pPr>
-            <a:lvl3pPr marL="914400" indent="0">
-              <a:buNone/>
-              <a:defRPr sz="1800">
+            <a:lvl3pPr marL="3631265" indent="0">
+              <a:buNone/>
+              <a:defRPr sz="7148">
                 <a:solidFill>
                   <a:schemeClr val="tx1">
                     <a:tint val="75000"/>
@@ -1040,9 +920,9 @@
                 </a:solidFill>
               </a:defRPr>
             </a:lvl3pPr>
-            <a:lvl4pPr marL="1371600" indent="0">
-              <a:buNone/>
-              <a:defRPr sz="1600">
+            <a:lvl4pPr marL="5446898" indent="0">
+              <a:buNone/>
+              <a:defRPr sz="6354">
                 <a:solidFill>
                   <a:schemeClr val="tx1">
                     <a:tint val="75000"/>
@@ -1050,9 +930,9 @@
                 </a:solidFill>
               </a:defRPr>
             </a:lvl4pPr>
-            <a:lvl5pPr marL="1828800" indent="0">
-              <a:buNone/>
-              <a:defRPr sz="1600">
+            <a:lvl5pPr marL="7262531" indent="0">
+              <a:buNone/>
+              <a:defRPr sz="6354">
                 <a:solidFill>
                   <a:schemeClr val="tx1">
                     <a:tint val="75000"/>
@@ -1060,9 +940,9 @@
                 </a:solidFill>
               </a:defRPr>
             </a:lvl5pPr>
-            <a:lvl6pPr marL="2286000" indent="0">
-              <a:buNone/>
-              <a:defRPr sz="1600">
+            <a:lvl6pPr marL="9078163" indent="0">
+              <a:buNone/>
+              <a:defRPr sz="6354">
                 <a:solidFill>
                   <a:schemeClr val="tx1">
                     <a:tint val="75000"/>
@@ -1070,9 +950,9 @@
                 </a:solidFill>
               </a:defRPr>
             </a:lvl6pPr>
-            <a:lvl7pPr marL="2743200" indent="0">
-              <a:buNone/>
-              <a:defRPr sz="1600">
+            <a:lvl7pPr marL="10893796" indent="0">
+              <a:buNone/>
+              <a:defRPr sz="6354">
                 <a:solidFill>
                   <a:schemeClr val="tx1">
                     <a:tint val="75000"/>
@@ -1080,9 +960,9 @@
                 </a:solidFill>
               </a:defRPr>
             </a:lvl7pPr>
-            <a:lvl8pPr marL="3200400" indent="0">
-              <a:buNone/>
-              <a:defRPr sz="1600">
+            <a:lvl8pPr marL="12709428" indent="0">
+              <a:buNone/>
+              <a:defRPr sz="6354">
                 <a:solidFill>
                   <a:schemeClr val="tx1">
                     <a:tint val="75000"/>
@@ -1090,9 +970,9 @@
                 </a:solidFill>
               </a:defRPr>
             </a:lvl8pPr>
-            <a:lvl9pPr marL="3657600" indent="0">
-              <a:buNone/>
-              <a:defRPr sz="1600">
+            <a:lvl9pPr marL="14525061" indent="0">
+              <a:buNone/>
+              <a:defRPr sz="6354">
                 <a:solidFill>
                   <a:schemeClr val="tx1">
                     <a:tint val="75000"/>
@@ -1112,13 +992,7 @@
       </p:sp>
       <p:sp>
         <p:nvSpPr>
-          <p:cNvPr id="4" name="Marcador de fecha 3">
-            <a:extLst>
-              <a:ext uri="{FF2B5EF4-FFF2-40B4-BE49-F238E27FC236}">
-                <a16:creationId xmlns:a16="http://schemas.microsoft.com/office/drawing/2014/main" id="{D955463B-BA38-474A-9D74-6698BA96EED3}"/>
-              </a:ext>
-            </a:extLst>
-          </p:cNvPr>
+          <p:cNvPr id="4" name="Date Placeholder 3"/>
           <p:cNvSpPr>
             <a:spLocks noGrp="1"/>
           </p:cNvSpPr>
@@ -1133,7 +1007,7 @@
           <a:p>
             <a:fld id="{ADB589B5-C5A3-41C4-82B4-BDC1054ECB12}" type="datetimeFigureOut">
               <a:rPr lang="es-ES" smtClean="0"/>
-              <a:t>08/04/2018</a:t>
+              <a:t>04/09/2018</a:t>
             </a:fld>
             <a:endParaRPr lang="es-ES"/>
           </a:p>
@@ -1141,13 +1015,7 @@
       </p:sp>
       <p:sp>
         <p:nvSpPr>
-          <p:cNvPr id="5" name="Marcador de pie de página 4">
-            <a:extLst>
-              <a:ext uri="{FF2B5EF4-FFF2-40B4-BE49-F238E27FC236}">
-                <a16:creationId xmlns:a16="http://schemas.microsoft.com/office/drawing/2014/main" id="{DD6E18B0-4A77-4FDB-A193-AF78744F8879}"/>
-              </a:ext>
-            </a:extLst>
-          </p:cNvPr>
+          <p:cNvPr id="5" name="Footer Placeholder 4"/>
           <p:cNvSpPr>
             <a:spLocks noGrp="1"/>
           </p:cNvSpPr>
@@ -1166,13 +1034,7 @@
       </p:sp>
       <p:sp>
         <p:nvSpPr>
-          <p:cNvPr id="6" name="Marcador de número de diapositiva 5">
-            <a:extLst>
-              <a:ext uri="{FF2B5EF4-FFF2-40B4-BE49-F238E27FC236}">
-                <a16:creationId xmlns:a16="http://schemas.microsoft.com/office/drawing/2014/main" id="{2E11CFCC-4E61-477E-9E00-5A0A7C921CF9}"/>
-              </a:ext>
-            </a:extLst>
-          </p:cNvPr>
+          <p:cNvPr id="6" name="Slide Number Placeholder 5"/>
           <p:cNvSpPr>
             <a:spLocks noGrp="1"/>
           </p:cNvSpPr>
@@ -1196,7 +1058,7 @@
     </p:spTree>
     <p:extLst>
       <p:ext uri="{BB962C8B-B14F-4D97-AF65-F5344CB8AC3E}">
-        <p14:creationId xmlns:p14="http://schemas.microsoft.com/office/powerpoint/2010/main" val="3156807607"/>
+        <p14:creationId xmlns:p14="http://schemas.microsoft.com/office/powerpoint/2010/main" val="184587209"/>
       </p:ext>
     </p:extLst>
   </p:cSld>
@@ -1225,13 +1087,7 @@
       </p:grpSpPr>
       <p:sp>
         <p:nvSpPr>
-          <p:cNvPr id="2" name="Título 1">
-            <a:extLst>
-              <a:ext uri="{FF2B5EF4-FFF2-40B4-BE49-F238E27FC236}">
-                <a16:creationId xmlns:a16="http://schemas.microsoft.com/office/drawing/2014/main" id="{CF3A958B-2D69-4F3E-B9F2-82DA29A56425}"/>
-              </a:ext>
-            </a:extLst>
-          </p:cNvPr>
+          <p:cNvPr id="2" name="Title 1"/>
           <p:cNvSpPr>
             <a:spLocks noGrp="1"/>
           </p:cNvSpPr>
@@ -1248,18 +1104,13 @@
               <a:rPr lang="es-ES"/>
               <a:t>Haga clic para modificar el estilo de título del patrón</a:t>
             </a:r>
-          </a:p>
-        </p:txBody>
-      </p:sp>
-      <p:sp>
-        <p:nvSpPr>
-          <p:cNvPr id="3" name="Marcador de contenido 2">
-            <a:extLst>
-              <a:ext uri="{FF2B5EF4-FFF2-40B4-BE49-F238E27FC236}">
-                <a16:creationId xmlns:a16="http://schemas.microsoft.com/office/drawing/2014/main" id="{A380D556-6181-455D-B343-E468209BEB0F}"/>
-              </a:ext>
-            </a:extLst>
-          </p:cNvPr>
+            <a:endParaRPr lang="en-US" dirty="0"/>
+          </a:p>
+        </p:txBody>
+      </p:sp>
+      <p:sp>
+        <p:nvSpPr>
+          <p:cNvPr id="3" name="Content Placeholder 2"/>
           <p:cNvSpPr>
             <a:spLocks noGrp="1"/>
           </p:cNvSpPr>
@@ -1269,8 +1120,8 @@
         </p:nvSpPr>
         <p:spPr>
           <a:xfrm>
-            <a:off x="838200" y="1825625"/>
-            <a:ext cx="5181600" cy="4351338"/>
+            <a:off x="2496483" y="7671429"/>
+            <a:ext cx="15432802" cy="18284685"/>
           </a:xfrm>
         </p:spPr>
         <p:txBody>
@@ -1310,18 +1161,13 @@
               <a:rPr lang="es-ES"/>
               <a:t>Quinto nivel</a:t>
             </a:r>
-          </a:p>
-        </p:txBody>
-      </p:sp>
-      <p:sp>
-        <p:nvSpPr>
-          <p:cNvPr id="4" name="Marcador de contenido 3">
-            <a:extLst>
-              <a:ext uri="{FF2B5EF4-FFF2-40B4-BE49-F238E27FC236}">
-                <a16:creationId xmlns:a16="http://schemas.microsoft.com/office/drawing/2014/main" id="{D6D04ED9-F971-4FEC-B8BF-23ACB593949A}"/>
-              </a:ext>
-            </a:extLst>
-          </p:cNvPr>
+            <a:endParaRPr lang="en-US" dirty="0"/>
+          </a:p>
+        </p:txBody>
+      </p:sp>
+      <p:sp>
+        <p:nvSpPr>
+          <p:cNvPr id="4" name="Content Placeholder 3"/>
           <p:cNvSpPr>
             <a:spLocks noGrp="1"/>
           </p:cNvSpPr>
@@ -1331,8 +1177,8 @@
         </p:nvSpPr>
         <p:spPr>
           <a:xfrm>
-            <a:off x="6172200" y="1825625"/>
-            <a:ext cx="5181600" cy="4351338"/>
+            <a:off x="18383190" y="7671429"/>
+            <a:ext cx="15432802" cy="18284685"/>
           </a:xfrm>
         </p:spPr>
         <p:txBody>
@@ -1372,18 +1218,13 @@
               <a:rPr lang="es-ES"/>
               <a:t>Quinto nivel</a:t>
             </a:r>
-          </a:p>
-        </p:txBody>
-      </p:sp>
-      <p:sp>
-        <p:nvSpPr>
-          <p:cNvPr id="5" name="Marcador de fecha 4">
-            <a:extLst>
-              <a:ext uri="{FF2B5EF4-FFF2-40B4-BE49-F238E27FC236}">
-                <a16:creationId xmlns:a16="http://schemas.microsoft.com/office/drawing/2014/main" id="{4C6B7091-1895-4702-B387-9CFC8226264C}"/>
-              </a:ext>
-            </a:extLst>
-          </p:cNvPr>
+            <a:endParaRPr lang="en-US" dirty="0"/>
+          </a:p>
+        </p:txBody>
+      </p:sp>
+      <p:sp>
+        <p:nvSpPr>
+          <p:cNvPr id="5" name="Date Placeholder 4"/>
           <p:cNvSpPr>
             <a:spLocks noGrp="1"/>
           </p:cNvSpPr>
@@ -1398,7 +1239,7 @@
           <a:p>
             <a:fld id="{ADB589B5-C5A3-41C4-82B4-BDC1054ECB12}" type="datetimeFigureOut">
               <a:rPr lang="es-ES" smtClean="0"/>
-              <a:t>08/04/2018</a:t>
+              <a:t>04/09/2018</a:t>
             </a:fld>
             <a:endParaRPr lang="es-ES"/>
           </a:p>
@@ -1406,13 +1247,7 @@
       </p:sp>
       <p:sp>
         <p:nvSpPr>
-          <p:cNvPr id="6" name="Marcador de pie de página 5">
-            <a:extLst>
-              <a:ext uri="{FF2B5EF4-FFF2-40B4-BE49-F238E27FC236}">
-                <a16:creationId xmlns:a16="http://schemas.microsoft.com/office/drawing/2014/main" id="{A19CA68A-5B08-41D5-BB4F-CCB06E0A8F7E}"/>
-              </a:ext>
-            </a:extLst>
-          </p:cNvPr>
+          <p:cNvPr id="6" name="Footer Placeholder 5"/>
           <p:cNvSpPr>
             <a:spLocks noGrp="1"/>
           </p:cNvSpPr>
@@ -1431,13 +1266,7 @@
       </p:sp>
       <p:sp>
         <p:nvSpPr>
-          <p:cNvPr id="7" name="Marcador de número de diapositiva 6">
-            <a:extLst>
-              <a:ext uri="{FF2B5EF4-FFF2-40B4-BE49-F238E27FC236}">
-                <a16:creationId xmlns:a16="http://schemas.microsoft.com/office/drawing/2014/main" id="{FF18E2B7-16F9-4C4A-B326-DA9F4F71C0ED}"/>
-              </a:ext>
-            </a:extLst>
-          </p:cNvPr>
+          <p:cNvPr id="7" name="Slide Number Placeholder 6"/>
           <p:cNvSpPr>
             <a:spLocks noGrp="1"/>
           </p:cNvSpPr>
@@ -1461,7 +1290,7 @@
     </p:spTree>
     <p:extLst>
       <p:ext uri="{BB962C8B-B14F-4D97-AF65-F5344CB8AC3E}">
-        <p14:creationId xmlns:p14="http://schemas.microsoft.com/office/powerpoint/2010/main" val="492785767"/>
+        <p14:creationId xmlns:p14="http://schemas.microsoft.com/office/powerpoint/2010/main" val="999714931"/>
       </p:ext>
     </p:extLst>
   </p:cSld>
@@ -1490,13 +1319,7 @@
       </p:grpSpPr>
       <p:sp>
         <p:nvSpPr>
-          <p:cNvPr id="2" name="Título 1">
-            <a:extLst>
-              <a:ext uri="{FF2B5EF4-FFF2-40B4-BE49-F238E27FC236}">
-                <a16:creationId xmlns:a16="http://schemas.microsoft.com/office/drawing/2014/main" id="{C7473C0D-F012-4D36-BFD5-9E1C2AFA6EAC}"/>
-              </a:ext>
-            </a:extLst>
-          </p:cNvPr>
+          <p:cNvPr id="2" name="Title 1"/>
           <p:cNvSpPr>
             <a:spLocks noGrp="1"/>
           </p:cNvSpPr>
@@ -1506,8 +1329,8 @@
         </p:nvSpPr>
         <p:spPr>
           <a:xfrm>
-            <a:off x="839788" y="365125"/>
-            <a:ext cx="10515600" cy="1325563"/>
+            <a:off x="2501212" y="1534292"/>
+            <a:ext cx="31319510" cy="5570126"/>
           </a:xfrm>
         </p:spPr>
         <p:txBody>
@@ -1518,18 +1341,13 @@
               <a:rPr lang="es-ES"/>
               <a:t>Haga clic para modificar el estilo de título del patrón</a:t>
             </a:r>
-          </a:p>
-        </p:txBody>
-      </p:sp>
-      <p:sp>
-        <p:nvSpPr>
-          <p:cNvPr id="3" name="Marcador de texto 2">
-            <a:extLst>
-              <a:ext uri="{FF2B5EF4-FFF2-40B4-BE49-F238E27FC236}">
-                <a16:creationId xmlns:a16="http://schemas.microsoft.com/office/drawing/2014/main" id="{D26506A7-BAE1-40C7-943B-4527BA720F22}"/>
-              </a:ext>
-            </a:extLst>
-          </p:cNvPr>
+            <a:endParaRPr lang="en-US" dirty="0"/>
+          </a:p>
+        </p:txBody>
+      </p:sp>
+      <p:sp>
+        <p:nvSpPr>
+          <p:cNvPr id="3" name="Text Placeholder 2"/>
           <p:cNvSpPr>
             <a:spLocks noGrp="1"/>
           </p:cNvSpPr>
@@ -1539,8 +1357,8 @@
         </p:nvSpPr>
         <p:spPr>
           <a:xfrm>
-            <a:off x="839788" y="1681163"/>
-            <a:ext cx="5157787" cy="823912"/>
+            <a:off x="2501216" y="7064387"/>
+            <a:ext cx="15361877" cy="3462147"/>
           </a:xfrm>
         </p:spPr>
         <p:txBody>
@@ -1548,39 +1366,39 @@
           <a:lstStyle>
             <a:lvl1pPr marL="0" indent="0">
               <a:buNone/>
-              <a:defRPr sz="2400" b="1"/>
+              <a:defRPr sz="9531" b="1"/>
             </a:lvl1pPr>
-            <a:lvl2pPr marL="457200" indent="0">
-              <a:buNone/>
-              <a:defRPr sz="2000" b="1"/>
+            <a:lvl2pPr marL="1815633" indent="0">
+              <a:buNone/>
+              <a:defRPr sz="7942" b="1"/>
             </a:lvl2pPr>
-            <a:lvl3pPr marL="914400" indent="0">
-              <a:buNone/>
-              <a:defRPr sz="1800" b="1"/>
+            <a:lvl3pPr marL="3631265" indent="0">
+              <a:buNone/>
+              <a:defRPr sz="7148" b="1"/>
             </a:lvl3pPr>
-            <a:lvl4pPr marL="1371600" indent="0">
-              <a:buNone/>
-              <a:defRPr sz="1600" b="1"/>
+            <a:lvl4pPr marL="5446898" indent="0">
+              <a:buNone/>
+              <a:defRPr sz="6354" b="1"/>
             </a:lvl4pPr>
-            <a:lvl5pPr marL="1828800" indent="0">
-              <a:buNone/>
-              <a:defRPr sz="1600" b="1"/>
+            <a:lvl5pPr marL="7262531" indent="0">
+              <a:buNone/>
+              <a:defRPr sz="6354" b="1"/>
             </a:lvl5pPr>
-            <a:lvl6pPr marL="2286000" indent="0">
-              <a:buNone/>
-              <a:defRPr sz="1600" b="1"/>
+            <a:lvl6pPr marL="9078163" indent="0">
+              <a:buNone/>
+              <a:defRPr sz="6354" b="1"/>
             </a:lvl6pPr>
-            <a:lvl7pPr marL="2743200" indent="0">
-              <a:buNone/>
-              <a:defRPr sz="1600" b="1"/>
+            <a:lvl7pPr marL="10893796" indent="0">
+              <a:buNone/>
+              <a:defRPr sz="6354" b="1"/>
             </a:lvl7pPr>
-            <a:lvl8pPr marL="3200400" indent="0">
-              <a:buNone/>
-              <a:defRPr sz="1600" b="1"/>
+            <a:lvl8pPr marL="12709428" indent="0">
+              <a:buNone/>
+              <a:defRPr sz="6354" b="1"/>
             </a:lvl8pPr>
-            <a:lvl9pPr marL="3657600" indent="0">
-              <a:buNone/>
-              <a:defRPr sz="1600" b="1"/>
+            <a:lvl9pPr marL="14525061" indent="0">
+              <a:buNone/>
+              <a:defRPr sz="6354" b="1"/>
             </a:lvl9pPr>
           </a:lstStyle>
           <a:p>
@@ -1594,13 +1412,7 @@
       </p:sp>
       <p:sp>
         <p:nvSpPr>
-          <p:cNvPr id="4" name="Marcador de contenido 3">
-            <a:extLst>
-              <a:ext uri="{FF2B5EF4-FFF2-40B4-BE49-F238E27FC236}">
-                <a16:creationId xmlns:a16="http://schemas.microsoft.com/office/drawing/2014/main" id="{5BB5FA91-B010-4372-9F76-C2FBD7880381}"/>
-              </a:ext>
-            </a:extLst>
-          </p:cNvPr>
+          <p:cNvPr id="4" name="Content Placeholder 3"/>
           <p:cNvSpPr>
             <a:spLocks noGrp="1"/>
           </p:cNvSpPr>
@@ -1610,8 +1422,8 @@
         </p:nvSpPr>
         <p:spPr>
           <a:xfrm>
-            <a:off x="839788" y="2505075"/>
-            <a:ext cx="5157787" cy="3684588"/>
+            <a:off x="2501216" y="10526534"/>
+            <a:ext cx="15361877" cy="15482946"/>
           </a:xfrm>
         </p:spPr>
         <p:txBody>
@@ -1651,18 +1463,13 @@
               <a:rPr lang="es-ES"/>
               <a:t>Quinto nivel</a:t>
             </a:r>
-          </a:p>
-        </p:txBody>
-      </p:sp>
-      <p:sp>
-        <p:nvSpPr>
-          <p:cNvPr id="5" name="Marcador de texto 4">
-            <a:extLst>
-              <a:ext uri="{FF2B5EF4-FFF2-40B4-BE49-F238E27FC236}">
-                <a16:creationId xmlns:a16="http://schemas.microsoft.com/office/drawing/2014/main" id="{05DEEA77-BFE3-4722-9DEC-9B70266B185A}"/>
-              </a:ext>
-            </a:extLst>
-          </p:cNvPr>
+            <a:endParaRPr lang="en-US" dirty="0"/>
+          </a:p>
+        </p:txBody>
+      </p:sp>
+      <p:sp>
+        <p:nvSpPr>
+          <p:cNvPr id="5" name="Text Placeholder 4"/>
           <p:cNvSpPr>
             <a:spLocks noGrp="1"/>
           </p:cNvSpPr>
@@ -1672,8 +1479,8 @@
         </p:nvSpPr>
         <p:spPr>
           <a:xfrm>
-            <a:off x="6172200" y="1681163"/>
-            <a:ext cx="5183188" cy="823912"/>
+            <a:off x="18383192" y="7064387"/>
+            <a:ext cx="15437532" cy="3462147"/>
           </a:xfrm>
         </p:spPr>
         <p:txBody>
@@ -1681,39 +1488,39 @@
           <a:lstStyle>
             <a:lvl1pPr marL="0" indent="0">
               <a:buNone/>
-              <a:defRPr sz="2400" b="1"/>
+              <a:defRPr sz="9531" b="1"/>
             </a:lvl1pPr>
-            <a:lvl2pPr marL="457200" indent="0">
-              <a:buNone/>
-              <a:defRPr sz="2000" b="1"/>
+            <a:lvl2pPr marL="1815633" indent="0">
+              <a:buNone/>
+              <a:defRPr sz="7942" b="1"/>
             </a:lvl2pPr>
-            <a:lvl3pPr marL="914400" indent="0">
-              <a:buNone/>
-              <a:defRPr sz="1800" b="1"/>
+            <a:lvl3pPr marL="3631265" indent="0">
+              <a:buNone/>
+              <a:defRPr sz="7148" b="1"/>
             </a:lvl3pPr>
-            <a:lvl4pPr marL="1371600" indent="0">
-              <a:buNone/>
-              <a:defRPr sz="1600" b="1"/>
+            <a:lvl4pPr marL="5446898" indent="0">
+              <a:buNone/>
+              <a:defRPr sz="6354" b="1"/>
             </a:lvl4pPr>
-            <a:lvl5pPr marL="1828800" indent="0">
-              <a:buNone/>
-              <a:defRPr sz="1600" b="1"/>
+            <a:lvl5pPr marL="7262531" indent="0">
+              <a:buNone/>
+              <a:defRPr sz="6354" b="1"/>
             </a:lvl5pPr>
-            <a:lvl6pPr marL="2286000" indent="0">
-              <a:buNone/>
-              <a:defRPr sz="1600" b="1"/>
+            <a:lvl6pPr marL="9078163" indent="0">
+              <a:buNone/>
+              <a:defRPr sz="6354" b="1"/>
             </a:lvl6pPr>
-            <a:lvl7pPr marL="2743200" indent="0">
-              <a:buNone/>
-              <a:defRPr sz="1600" b="1"/>
+            <a:lvl7pPr marL="10893796" indent="0">
+              <a:buNone/>
+              <a:defRPr sz="6354" b="1"/>
             </a:lvl7pPr>
-            <a:lvl8pPr marL="3200400" indent="0">
-              <a:buNone/>
-              <a:defRPr sz="1600" b="1"/>
+            <a:lvl8pPr marL="12709428" indent="0">
+              <a:buNone/>
+              <a:defRPr sz="6354" b="1"/>
             </a:lvl8pPr>
-            <a:lvl9pPr marL="3657600" indent="0">
-              <a:buNone/>
-              <a:defRPr sz="1600" b="1"/>
+            <a:lvl9pPr marL="14525061" indent="0">
+              <a:buNone/>
+              <a:defRPr sz="6354" b="1"/>
             </a:lvl9pPr>
           </a:lstStyle>
           <a:p>
@@ -1727,13 +1534,7 @@
       </p:sp>
       <p:sp>
         <p:nvSpPr>
-          <p:cNvPr id="6" name="Marcador de contenido 5">
-            <a:extLst>
-              <a:ext uri="{FF2B5EF4-FFF2-40B4-BE49-F238E27FC236}">
-                <a16:creationId xmlns:a16="http://schemas.microsoft.com/office/drawing/2014/main" id="{941169E2-6365-4C8C-A63A-D4AEF5D50294}"/>
-              </a:ext>
-            </a:extLst>
-          </p:cNvPr>
+          <p:cNvPr id="6" name="Content Placeholder 5"/>
           <p:cNvSpPr>
             <a:spLocks noGrp="1"/>
           </p:cNvSpPr>
@@ -1743,8 +1544,8 @@
         </p:nvSpPr>
         <p:spPr>
           <a:xfrm>
-            <a:off x="6172200" y="2505075"/>
-            <a:ext cx="5183188" cy="3684588"/>
+            <a:off x="18383192" y="10526534"/>
+            <a:ext cx="15437532" cy="15482946"/>
           </a:xfrm>
         </p:spPr>
         <p:txBody>
@@ -1784,18 +1585,13 @@
               <a:rPr lang="es-ES"/>
               <a:t>Quinto nivel</a:t>
             </a:r>
-          </a:p>
-        </p:txBody>
-      </p:sp>
-      <p:sp>
-        <p:nvSpPr>
-          <p:cNvPr id="7" name="Marcador de fecha 6">
-            <a:extLst>
-              <a:ext uri="{FF2B5EF4-FFF2-40B4-BE49-F238E27FC236}">
-                <a16:creationId xmlns:a16="http://schemas.microsoft.com/office/drawing/2014/main" id="{FFD1777D-D1C9-4FFF-977A-A3A5C076F625}"/>
-              </a:ext>
-            </a:extLst>
-          </p:cNvPr>
+            <a:endParaRPr lang="en-US" dirty="0"/>
+          </a:p>
+        </p:txBody>
+      </p:sp>
+      <p:sp>
+        <p:nvSpPr>
+          <p:cNvPr id="7" name="Date Placeholder 6"/>
           <p:cNvSpPr>
             <a:spLocks noGrp="1"/>
           </p:cNvSpPr>
@@ -1810,7 +1606,7 @@
           <a:p>
             <a:fld id="{ADB589B5-C5A3-41C4-82B4-BDC1054ECB12}" type="datetimeFigureOut">
               <a:rPr lang="es-ES" smtClean="0"/>
-              <a:t>08/04/2018</a:t>
+              <a:t>04/09/2018</a:t>
             </a:fld>
             <a:endParaRPr lang="es-ES"/>
           </a:p>
@@ -1818,13 +1614,7 @@
       </p:sp>
       <p:sp>
         <p:nvSpPr>
-          <p:cNvPr id="8" name="Marcador de pie de página 7">
-            <a:extLst>
-              <a:ext uri="{FF2B5EF4-FFF2-40B4-BE49-F238E27FC236}">
-                <a16:creationId xmlns:a16="http://schemas.microsoft.com/office/drawing/2014/main" id="{F004F2F2-E25E-4A3B-9297-1A75B58BEE83}"/>
-              </a:ext>
-            </a:extLst>
-          </p:cNvPr>
+          <p:cNvPr id="8" name="Footer Placeholder 7"/>
           <p:cNvSpPr>
             <a:spLocks noGrp="1"/>
           </p:cNvSpPr>
@@ -1843,13 +1633,7 @@
       </p:sp>
       <p:sp>
         <p:nvSpPr>
-          <p:cNvPr id="9" name="Marcador de número de diapositiva 8">
-            <a:extLst>
-              <a:ext uri="{FF2B5EF4-FFF2-40B4-BE49-F238E27FC236}">
-                <a16:creationId xmlns:a16="http://schemas.microsoft.com/office/drawing/2014/main" id="{2E631650-BF75-49D8-B876-004801DC67AD}"/>
-              </a:ext>
-            </a:extLst>
-          </p:cNvPr>
+          <p:cNvPr id="9" name="Slide Number Placeholder 8"/>
           <p:cNvSpPr>
             <a:spLocks noGrp="1"/>
           </p:cNvSpPr>
@@ -1873,7 +1657,7 @@
     </p:spTree>
     <p:extLst>
       <p:ext uri="{BB962C8B-B14F-4D97-AF65-F5344CB8AC3E}">
-        <p14:creationId xmlns:p14="http://schemas.microsoft.com/office/powerpoint/2010/main" val="3700444786"/>
+        <p14:creationId xmlns:p14="http://schemas.microsoft.com/office/powerpoint/2010/main" val="1123145615"/>
       </p:ext>
     </p:extLst>
   </p:cSld>
@@ -1902,13 +1686,7 @@
       </p:grpSpPr>
       <p:sp>
         <p:nvSpPr>
-          <p:cNvPr id="2" name="Título 1">
-            <a:extLst>
-              <a:ext uri="{FF2B5EF4-FFF2-40B4-BE49-F238E27FC236}">
-                <a16:creationId xmlns:a16="http://schemas.microsoft.com/office/drawing/2014/main" id="{02FF6EED-CB63-4E90-AB5D-BC1F7F824AB4}"/>
-              </a:ext>
-            </a:extLst>
-          </p:cNvPr>
+          <p:cNvPr id="2" name="Title 1"/>
           <p:cNvSpPr>
             <a:spLocks noGrp="1"/>
           </p:cNvSpPr>
@@ -1925,18 +1703,13 @@
               <a:rPr lang="es-ES"/>
               <a:t>Haga clic para modificar el estilo de título del patrón</a:t>
             </a:r>
-          </a:p>
-        </p:txBody>
-      </p:sp>
-      <p:sp>
-        <p:nvSpPr>
-          <p:cNvPr id="3" name="Marcador de fecha 2">
-            <a:extLst>
-              <a:ext uri="{FF2B5EF4-FFF2-40B4-BE49-F238E27FC236}">
-                <a16:creationId xmlns:a16="http://schemas.microsoft.com/office/drawing/2014/main" id="{35511EF1-C724-4410-BD88-4DE89C2C2636}"/>
-              </a:ext>
-            </a:extLst>
-          </p:cNvPr>
+            <a:endParaRPr lang="en-US" dirty="0"/>
+          </a:p>
+        </p:txBody>
+      </p:sp>
+      <p:sp>
+        <p:nvSpPr>
+          <p:cNvPr id="3" name="Date Placeholder 2"/>
           <p:cNvSpPr>
             <a:spLocks noGrp="1"/>
           </p:cNvSpPr>
@@ -1951,7 +1724,7 @@
           <a:p>
             <a:fld id="{ADB589B5-C5A3-41C4-82B4-BDC1054ECB12}" type="datetimeFigureOut">
               <a:rPr lang="es-ES" smtClean="0"/>
-              <a:t>08/04/2018</a:t>
+              <a:t>04/09/2018</a:t>
             </a:fld>
             <a:endParaRPr lang="es-ES"/>
           </a:p>
@@ -1959,13 +1732,7 @@
       </p:sp>
       <p:sp>
         <p:nvSpPr>
-          <p:cNvPr id="4" name="Marcador de pie de página 3">
-            <a:extLst>
-              <a:ext uri="{FF2B5EF4-FFF2-40B4-BE49-F238E27FC236}">
-                <a16:creationId xmlns:a16="http://schemas.microsoft.com/office/drawing/2014/main" id="{AEFFD9C1-9ECD-4A26-B587-781B5723471E}"/>
-              </a:ext>
-            </a:extLst>
-          </p:cNvPr>
+          <p:cNvPr id="4" name="Footer Placeholder 3"/>
           <p:cNvSpPr>
             <a:spLocks noGrp="1"/>
           </p:cNvSpPr>
@@ -1984,13 +1751,7 @@
       </p:sp>
       <p:sp>
         <p:nvSpPr>
-          <p:cNvPr id="5" name="Marcador de número de diapositiva 4">
-            <a:extLst>
-              <a:ext uri="{FF2B5EF4-FFF2-40B4-BE49-F238E27FC236}">
-                <a16:creationId xmlns:a16="http://schemas.microsoft.com/office/drawing/2014/main" id="{0C4DBD85-0362-4589-A757-E13E650B20A9}"/>
-              </a:ext>
-            </a:extLst>
-          </p:cNvPr>
+          <p:cNvPr id="5" name="Slide Number Placeholder 4"/>
           <p:cNvSpPr>
             <a:spLocks noGrp="1"/>
           </p:cNvSpPr>
@@ -2014,7 +1775,7 @@
     </p:spTree>
     <p:extLst>
       <p:ext uri="{BB962C8B-B14F-4D97-AF65-F5344CB8AC3E}">
-        <p14:creationId xmlns:p14="http://schemas.microsoft.com/office/powerpoint/2010/main" val="3641612013"/>
+        <p14:creationId xmlns:p14="http://schemas.microsoft.com/office/powerpoint/2010/main" val="1290703858"/>
       </p:ext>
     </p:extLst>
   </p:cSld>
@@ -2043,13 +1804,7 @@
       </p:grpSpPr>
       <p:sp>
         <p:nvSpPr>
-          <p:cNvPr id="2" name="Marcador de fecha 1">
-            <a:extLst>
-              <a:ext uri="{FF2B5EF4-FFF2-40B4-BE49-F238E27FC236}">
-                <a16:creationId xmlns:a16="http://schemas.microsoft.com/office/drawing/2014/main" id="{568C5069-A376-44B2-B68D-A28F8F6ECEAA}"/>
-              </a:ext>
-            </a:extLst>
-          </p:cNvPr>
+          <p:cNvPr id="2" name="Date Placeholder 1"/>
           <p:cNvSpPr>
             <a:spLocks noGrp="1"/>
           </p:cNvSpPr>
@@ -2064,7 +1819,7 @@
           <a:p>
             <a:fld id="{ADB589B5-C5A3-41C4-82B4-BDC1054ECB12}" type="datetimeFigureOut">
               <a:rPr lang="es-ES" smtClean="0"/>
-              <a:t>08/04/2018</a:t>
+              <a:t>04/09/2018</a:t>
             </a:fld>
             <a:endParaRPr lang="es-ES"/>
           </a:p>
@@ -2072,13 +1827,7 @@
       </p:sp>
       <p:sp>
         <p:nvSpPr>
-          <p:cNvPr id="3" name="Marcador de pie de página 2">
-            <a:extLst>
-              <a:ext uri="{FF2B5EF4-FFF2-40B4-BE49-F238E27FC236}">
-                <a16:creationId xmlns:a16="http://schemas.microsoft.com/office/drawing/2014/main" id="{C8481F56-02CF-42E9-88A5-6F074841C260}"/>
-              </a:ext>
-            </a:extLst>
-          </p:cNvPr>
+          <p:cNvPr id="3" name="Footer Placeholder 2"/>
           <p:cNvSpPr>
             <a:spLocks noGrp="1"/>
           </p:cNvSpPr>
@@ -2097,13 +1846,7 @@
       </p:sp>
       <p:sp>
         <p:nvSpPr>
-          <p:cNvPr id="4" name="Marcador de número de diapositiva 3">
-            <a:extLst>
-              <a:ext uri="{FF2B5EF4-FFF2-40B4-BE49-F238E27FC236}">
-                <a16:creationId xmlns:a16="http://schemas.microsoft.com/office/drawing/2014/main" id="{77E3226D-9873-4CA6-9005-0908EB06F589}"/>
-              </a:ext>
-            </a:extLst>
-          </p:cNvPr>
+          <p:cNvPr id="4" name="Slide Number Placeholder 3"/>
           <p:cNvSpPr>
             <a:spLocks noGrp="1"/>
           </p:cNvSpPr>
@@ -2127,7 +1870,7 @@
     </p:spTree>
     <p:extLst>
       <p:ext uri="{BB962C8B-B14F-4D97-AF65-F5344CB8AC3E}">
-        <p14:creationId xmlns:p14="http://schemas.microsoft.com/office/powerpoint/2010/main" val="2942617605"/>
+        <p14:creationId xmlns:p14="http://schemas.microsoft.com/office/powerpoint/2010/main" val="1241076189"/>
       </p:ext>
     </p:extLst>
   </p:cSld>
@@ -2156,13 +1899,7 @@
       </p:grpSpPr>
       <p:sp>
         <p:nvSpPr>
-          <p:cNvPr id="2" name="Título 1">
-            <a:extLst>
-              <a:ext uri="{FF2B5EF4-FFF2-40B4-BE49-F238E27FC236}">
-                <a16:creationId xmlns:a16="http://schemas.microsoft.com/office/drawing/2014/main" id="{8B18D39A-2389-46C0-BFC3-CB0AF19ED6D0}"/>
-              </a:ext>
-            </a:extLst>
-          </p:cNvPr>
+          <p:cNvPr id="2" name="Title 1"/>
           <p:cNvSpPr>
             <a:spLocks noGrp="1"/>
           </p:cNvSpPr>
@@ -2172,15 +1909,15 @@
         </p:nvSpPr>
         <p:spPr>
           <a:xfrm>
-            <a:off x="839788" y="457200"/>
-            <a:ext cx="3932237" cy="1600200"/>
+            <a:off x="2501212" y="1921192"/>
+            <a:ext cx="11711718" cy="6724174"/>
           </a:xfrm>
         </p:spPr>
         <p:txBody>
           <a:bodyPr anchor="b"/>
           <a:lstStyle>
             <a:lvl1pPr>
-              <a:defRPr sz="3200"/>
+              <a:defRPr sz="12708"/>
             </a:lvl1pPr>
           </a:lstStyle>
           <a:p>
@@ -2188,18 +1925,13 @@
               <a:rPr lang="es-ES"/>
               <a:t>Haga clic para modificar el estilo de título del patrón</a:t>
             </a:r>
-          </a:p>
-        </p:txBody>
-      </p:sp>
-      <p:sp>
-        <p:nvSpPr>
-          <p:cNvPr id="3" name="Marcador de contenido 2">
-            <a:extLst>
-              <a:ext uri="{FF2B5EF4-FFF2-40B4-BE49-F238E27FC236}">
-                <a16:creationId xmlns:a16="http://schemas.microsoft.com/office/drawing/2014/main" id="{4D37FA60-8EF0-4CA1-BA70-2A4CE6D3084D}"/>
-              </a:ext>
-            </a:extLst>
-          </p:cNvPr>
+            <a:endParaRPr lang="en-US" dirty="0"/>
+          </a:p>
+        </p:txBody>
+      </p:sp>
+      <p:sp>
+        <p:nvSpPr>
+          <p:cNvPr id="3" name="Content Placeholder 2"/>
           <p:cNvSpPr>
             <a:spLocks noGrp="1"/>
           </p:cNvSpPr>
@@ -2209,39 +1941,39 @@
         </p:nvSpPr>
         <p:spPr>
           <a:xfrm>
-            <a:off x="5183188" y="987425"/>
-            <a:ext cx="6172200" cy="4873625"/>
+            <a:off x="15437532" y="4149248"/>
+            <a:ext cx="18383190" cy="20479379"/>
           </a:xfrm>
         </p:spPr>
         <p:txBody>
           <a:bodyPr/>
           <a:lstStyle>
             <a:lvl1pPr>
-              <a:defRPr sz="3200"/>
+              <a:defRPr sz="12708"/>
             </a:lvl1pPr>
             <a:lvl2pPr>
-              <a:defRPr sz="2800"/>
+              <a:defRPr sz="11119"/>
             </a:lvl2pPr>
             <a:lvl3pPr>
-              <a:defRPr sz="2400"/>
+              <a:defRPr sz="9531"/>
             </a:lvl3pPr>
             <a:lvl4pPr>
-              <a:defRPr sz="2000"/>
+              <a:defRPr sz="7942"/>
             </a:lvl4pPr>
             <a:lvl5pPr>
-              <a:defRPr sz="2000"/>
+              <a:defRPr sz="7942"/>
             </a:lvl5pPr>
             <a:lvl6pPr>
-              <a:defRPr sz="2000"/>
+              <a:defRPr sz="7942"/>
             </a:lvl6pPr>
             <a:lvl7pPr>
-              <a:defRPr sz="2000"/>
+              <a:defRPr sz="7942"/>
             </a:lvl7pPr>
             <a:lvl8pPr>
-              <a:defRPr sz="2000"/>
+              <a:defRPr sz="7942"/>
             </a:lvl8pPr>
             <a:lvl9pPr>
-              <a:defRPr sz="2000"/>
+              <a:defRPr sz="7942"/>
             </a:lvl9pPr>
           </a:lstStyle>
           <a:p>
@@ -2278,18 +2010,13 @@
               <a:rPr lang="es-ES"/>
               <a:t>Quinto nivel</a:t>
             </a:r>
-          </a:p>
-        </p:txBody>
-      </p:sp>
-      <p:sp>
-        <p:nvSpPr>
-          <p:cNvPr id="4" name="Marcador de texto 3">
-            <a:extLst>
-              <a:ext uri="{FF2B5EF4-FFF2-40B4-BE49-F238E27FC236}">
-                <a16:creationId xmlns:a16="http://schemas.microsoft.com/office/drawing/2014/main" id="{192AFB92-AE85-4861-B344-A27E310A9B55}"/>
-              </a:ext>
-            </a:extLst>
-          </p:cNvPr>
+            <a:endParaRPr lang="en-US" dirty="0"/>
+          </a:p>
+        </p:txBody>
+      </p:sp>
+      <p:sp>
+        <p:nvSpPr>
+          <p:cNvPr id="4" name="Text Placeholder 3"/>
           <p:cNvSpPr>
             <a:spLocks noGrp="1"/>
           </p:cNvSpPr>
@@ -2299,8 +2026,8 @@
         </p:nvSpPr>
         <p:spPr>
           <a:xfrm>
-            <a:off x="839788" y="2057400"/>
-            <a:ext cx="3932237" cy="3811588"/>
+            <a:off x="2501212" y="8645366"/>
+            <a:ext cx="11711718" cy="16016611"/>
           </a:xfrm>
         </p:spPr>
         <p:txBody>
@@ -2308,39 +2035,39 @@
           <a:lstStyle>
             <a:lvl1pPr marL="0" indent="0">
               <a:buNone/>
-              <a:defRPr sz="1600"/>
+              <a:defRPr sz="6354"/>
             </a:lvl1pPr>
-            <a:lvl2pPr marL="457200" indent="0">
-              <a:buNone/>
-              <a:defRPr sz="1400"/>
+            <a:lvl2pPr marL="1815633" indent="0">
+              <a:buNone/>
+              <a:defRPr sz="5560"/>
             </a:lvl2pPr>
-            <a:lvl3pPr marL="914400" indent="0">
-              <a:buNone/>
-              <a:defRPr sz="1200"/>
+            <a:lvl3pPr marL="3631265" indent="0">
+              <a:buNone/>
+              <a:defRPr sz="4765"/>
             </a:lvl3pPr>
-            <a:lvl4pPr marL="1371600" indent="0">
-              <a:buNone/>
-              <a:defRPr sz="1000"/>
+            <a:lvl4pPr marL="5446898" indent="0">
+              <a:buNone/>
+              <a:defRPr sz="3971"/>
             </a:lvl4pPr>
-            <a:lvl5pPr marL="1828800" indent="0">
-              <a:buNone/>
-              <a:defRPr sz="1000"/>
+            <a:lvl5pPr marL="7262531" indent="0">
+              <a:buNone/>
+              <a:defRPr sz="3971"/>
             </a:lvl5pPr>
-            <a:lvl6pPr marL="2286000" indent="0">
-              <a:buNone/>
-              <a:defRPr sz="1000"/>
+            <a:lvl6pPr marL="9078163" indent="0">
+              <a:buNone/>
+              <a:defRPr sz="3971"/>
             </a:lvl6pPr>
-            <a:lvl7pPr marL="2743200" indent="0">
-              <a:buNone/>
-              <a:defRPr sz="1000"/>
+            <a:lvl7pPr marL="10893796" indent="0">
+              <a:buNone/>
+              <a:defRPr sz="3971"/>
             </a:lvl7pPr>
-            <a:lvl8pPr marL="3200400" indent="0">
-              <a:buNone/>
-              <a:defRPr sz="1000"/>
+            <a:lvl8pPr marL="12709428" indent="0">
+              <a:buNone/>
+              <a:defRPr sz="3971"/>
             </a:lvl8pPr>
-            <a:lvl9pPr marL="3657600" indent="0">
-              <a:buNone/>
-              <a:defRPr sz="1000"/>
+            <a:lvl9pPr marL="14525061" indent="0">
+              <a:buNone/>
+              <a:defRPr sz="3971"/>
             </a:lvl9pPr>
           </a:lstStyle>
           <a:p>
@@ -2354,13 +2081,7 @@
       </p:sp>
       <p:sp>
         <p:nvSpPr>
-          <p:cNvPr id="5" name="Marcador de fecha 4">
-            <a:extLst>
-              <a:ext uri="{FF2B5EF4-FFF2-40B4-BE49-F238E27FC236}">
-                <a16:creationId xmlns:a16="http://schemas.microsoft.com/office/drawing/2014/main" id="{78CD3964-DA30-4198-A15F-E2E21AD834D9}"/>
-              </a:ext>
-            </a:extLst>
-          </p:cNvPr>
+          <p:cNvPr id="5" name="Date Placeholder 4"/>
           <p:cNvSpPr>
             <a:spLocks noGrp="1"/>
           </p:cNvSpPr>
@@ -2375,7 +2096,7 @@
           <a:p>
             <a:fld id="{ADB589B5-C5A3-41C4-82B4-BDC1054ECB12}" type="datetimeFigureOut">
               <a:rPr lang="es-ES" smtClean="0"/>
-              <a:t>08/04/2018</a:t>
+              <a:t>04/09/2018</a:t>
             </a:fld>
             <a:endParaRPr lang="es-ES"/>
           </a:p>
@@ -2383,13 +2104,7 @@
       </p:sp>
       <p:sp>
         <p:nvSpPr>
-          <p:cNvPr id="6" name="Marcador de pie de página 5">
-            <a:extLst>
-              <a:ext uri="{FF2B5EF4-FFF2-40B4-BE49-F238E27FC236}">
-                <a16:creationId xmlns:a16="http://schemas.microsoft.com/office/drawing/2014/main" id="{1993933E-EE7E-4399-BB61-D9E0055E7684}"/>
-              </a:ext>
-            </a:extLst>
-          </p:cNvPr>
+          <p:cNvPr id="6" name="Footer Placeholder 5"/>
           <p:cNvSpPr>
             <a:spLocks noGrp="1"/>
           </p:cNvSpPr>
@@ -2408,13 +2123,7 @@
       </p:sp>
       <p:sp>
         <p:nvSpPr>
-          <p:cNvPr id="7" name="Marcador de número de diapositiva 6">
-            <a:extLst>
-              <a:ext uri="{FF2B5EF4-FFF2-40B4-BE49-F238E27FC236}">
-                <a16:creationId xmlns:a16="http://schemas.microsoft.com/office/drawing/2014/main" id="{2BCC5E7F-5B2E-48F0-B366-6A5591A183D1}"/>
-              </a:ext>
-            </a:extLst>
-          </p:cNvPr>
+          <p:cNvPr id="7" name="Slide Number Placeholder 6"/>
           <p:cNvSpPr>
             <a:spLocks noGrp="1"/>
           </p:cNvSpPr>
@@ -2438,7 +2147,7 @@
     </p:spTree>
     <p:extLst>
       <p:ext uri="{BB962C8B-B14F-4D97-AF65-F5344CB8AC3E}">
-        <p14:creationId xmlns:p14="http://schemas.microsoft.com/office/powerpoint/2010/main" val="1326847453"/>
+        <p14:creationId xmlns:p14="http://schemas.microsoft.com/office/powerpoint/2010/main" val="3786042452"/>
       </p:ext>
     </p:extLst>
   </p:cSld>
@@ -2467,13 +2176,7 @@
       </p:grpSpPr>
       <p:sp>
         <p:nvSpPr>
-          <p:cNvPr id="2" name="Título 1">
-            <a:extLst>
-              <a:ext uri="{FF2B5EF4-FFF2-40B4-BE49-F238E27FC236}">
-                <a16:creationId xmlns:a16="http://schemas.microsoft.com/office/drawing/2014/main" id="{FFCC4938-53AE-4CED-AD30-AF6F3ACE7857}"/>
-              </a:ext>
-            </a:extLst>
-          </p:cNvPr>
+          <p:cNvPr id="2" name="Title 1"/>
           <p:cNvSpPr>
             <a:spLocks noGrp="1"/>
           </p:cNvSpPr>
@@ -2483,15 +2186,15 @@
         </p:nvSpPr>
         <p:spPr>
           <a:xfrm>
-            <a:off x="839788" y="457200"/>
-            <a:ext cx="3932237" cy="1600200"/>
+            <a:off x="2501212" y="1921192"/>
+            <a:ext cx="11711718" cy="6724174"/>
           </a:xfrm>
         </p:spPr>
         <p:txBody>
           <a:bodyPr anchor="b"/>
           <a:lstStyle>
             <a:lvl1pPr>
-              <a:defRPr sz="3200"/>
+              <a:defRPr sz="12708"/>
             </a:lvl1pPr>
           </a:lstStyle>
           <a:p>
@@ -2499,20 +2202,15 @@
               <a:rPr lang="es-ES"/>
               <a:t>Haga clic para modificar el estilo de título del patrón</a:t>
             </a:r>
-          </a:p>
-        </p:txBody>
-      </p:sp>
-      <p:sp>
-        <p:nvSpPr>
-          <p:cNvPr id="3" name="Marcador de posición de imagen 2">
-            <a:extLst>
-              <a:ext uri="{FF2B5EF4-FFF2-40B4-BE49-F238E27FC236}">
-                <a16:creationId xmlns:a16="http://schemas.microsoft.com/office/drawing/2014/main" id="{6EC395DE-5BCA-4773-8B21-A45B2B000604}"/>
-              </a:ext>
-            </a:extLst>
-          </p:cNvPr>
-          <p:cNvSpPr>
-            <a:spLocks noGrp="1"/>
+            <a:endParaRPr lang="en-US" dirty="0"/>
+          </a:p>
+        </p:txBody>
+      </p:sp>
+      <p:sp>
+        <p:nvSpPr>
+          <p:cNvPr id="3" name="Picture Placeholder 2"/>
+          <p:cNvSpPr>
+            <a:spLocks noGrp="1" noChangeAspect="1"/>
           </p:cNvSpPr>
           <p:nvPr>
             <p:ph type="pic" idx="1"/>
@@ -2520,8 +2218,73 @@
         </p:nvSpPr>
         <p:spPr>
           <a:xfrm>
-            <a:off x="5183188" y="987425"/>
-            <a:ext cx="6172200" cy="4873625"/>
+            <a:off x="15437532" y="4149248"/>
+            <a:ext cx="18383190" cy="20479379"/>
+          </a:xfrm>
+        </p:spPr>
+        <p:txBody>
+          <a:bodyPr anchor="t"/>
+          <a:lstStyle>
+            <a:lvl1pPr marL="0" indent="0">
+              <a:buNone/>
+              <a:defRPr sz="12708"/>
+            </a:lvl1pPr>
+            <a:lvl2pPr marL="1815633" indent="0">
+              <a:buNone/>
+              <a:defRPr sz="11119"/>
+            </a:lvl2pPr>
+            <a:lvl3pPr marL="3631265" indent="0">
+              <a:buNone/>
+              <a:defRPr sz="9531"/>
+            </a:lvl3pPr>
+            <a:lvl4pPr marL="5446898" indent="0">
+              <a:buNone/>
+              <a:defRPr sz="7942"/>
+            </a:lvl4pPr>
+            <a:lvl5pPr marL="7262531" indent="0">
+              <a:buNone/>
+              <a:defRPr sz="7942"/>
+            </a:lvl5pPr>
+            <a:lvl6pPr marL="9078163" indent="0">
+              <a:buNone/>
+              <a:defRPr sz="7942"/>
+            </a:lvl6pPr>
+            <a:lvl7pPr marL="10893796" indent="0">
+              <a:buNone/>
+              <a:defRPr sz="7942"/>
+            </a:lvl7pPr>
+            <a:lvl8pPr marL="12709428" indent="0">
+              <a:buNone/>
+              <a:defRPr sz="7942"/>
+            </a:lvl8pPr>
+            <a:lvl9pPr marL="14525061" indent="0">
+              <a:buNone/>
+              <a:defRPr sz="7942"/>
+            </a:lvl9pPr>
+          </a:lstStyle>
+          <a:p>
+            <a:r>
+              <a:rPr lang="es-ES"/>
+              <a:t>Haga clic en el icono para agregar una imagen</a:t>
+            </a:r>
+            <a:endParaRPr lang="en-US" dirty="0"/>
+          </a:p>
+        </p:txBody>
+      </p:sp>
+      <p:sp>
+        <p:nvSpPr>
+          <p:cNvPr id="4" name="Text Placeholder 3"/>
+          <p:cNvSpPr>
+            <a:spLocks noGrp="1"/>
+          </p:cNvSpPr>
+          <p:nvPr>
+            <p:ph type="body" sz="half" idx="2"/>
+          </p:nvPr>
+        </p:nvSpPr>
+        <p:spPr>
+          <a:xfrm>
+            <a:off x="2501212" y="8645366"/>
+            <a:ext cx="11711718" cy="16016611"/>
           </a:xfrm>
         </p:spPr>
         <p:txBody>
@@ -2529,109 +2292,42 @@
           <a:lstStyle>
             <a:lvl1pPr marL="0" indent="0">
               <a:buNone/>
-              <a:defRPr sz="3200"/>
+              <a:defRPr sz="6354"/>
             </a:lvl1pPr>
-            <a:lvl2pPr marL="457200" indent="0">
-              <a:buNone/>
-              <a:defRPr sz="2800"/>
+            <a:lvl2pPr marL="1815633" indent="0">
+              <a:buNone/>
+              <a:defRPr sz="5560"/>
             </a:lvl2pPr>
-            <a:lvl3pPr marL="914400" indent="0">
-              <a:buNone/>
-              <a:defRPr sz="2400"/>
+            <a:lvl3pPr marL="3631265" indent="0">
+              <a:buNone/>
+              <a:defRPr sz="4765"/>
             </a:lvl3pPr>
-            <a:lvl4pPr marL="1371600" indent="0">
-              <a:buNone/>
-              <a:defRPr sz="2000"/>
+            <a:lvl4pPr marL="5446898" indent="0">
+              <a:buNone/>
+              <a:defRPr sz="3971"/>
             </a:lvl4pPr>
-            <a:lvl5pPr marL="1828800" indent="0">
-              <a:buNone/>
-              <a:defRPr sz="2000"/>
+            <a:lvl5pPr marL="7262531" indent="0">
+              <a:buNone/>
+              <a:defRPr sz="3971"/>
             </a:lvl5pPr>
-            <a:lvl6pPr marL="2286000" indent="0">
-              <a:buNone/>
-              <a:defRPr sz="2000"/>
+            <a:lvl6pPr marL="9078163" indent="0">
+              <a:buNone/>
+              <a:defRPr sz="3971"/>
             </a:lvl6pPr>
-            <a:lvl7pPr marL="2743200" indent="0">
-              <a:buNone/>
-              <a:defRPr sz="2000"/>
+            <a:lvl7pPr marL="10893796" indent="0">
+              <a:buNone/>
+              <a:defRPr sz="3971"/>
             </a:lvl7pPr>
-            <a:lvl8pPr marL="3200400" indent="0">
-              <a:buNone/>
-              <a:defRPr sz="2000"/>
+            <a:lvl8pPr marL="12709428" indent="0">
+              <a:buNone/>
+              <a:defRPr sz="3971"/>
             </a:lvl8pPr>
-            <a:lvl9pPr marL="3657600" indent="0">
-              <a:buNone/>
-              <a:defRPr sz="2000"/>
+            <a:lvl9pPr marL="14525061" indent="0">
+              <a:buNone/>
+              <a:defRPr sz="3971"/>
             </a:lvl9pPr>
           </a:lstStyle>
           <a:p>
-            <a:endParaRPr lang="es-ES"/>
-          </a:p>
-        </p:txBody>
-      </p:sp>
-      <p:sp>
-        <p:nvSpPr>
-          <p:cNvPr id="4" name="Marcador de texto 3">
-            <a:extLst>
-              <a:ext uri="{FF2B5EF4-FFF2-40B4-BE49-F238E27FC236}">
-                <a16:creationId xmlns:a16="http://schemas.microsoft.com/office/drawing/2014/main" id="{E577C434-1D59-4156-819C-8A42897C494F}"/>
-              </a:ext>
-            </a:extLst>
-          </p:cNvPr>
-          <p:cNvSpPr>
-            <a:spLocks noGrp="1"/>
-          </p:cNvSpPr>
-          <p:nvPr>
-            <p:ph type="body" sz="half" idx="2"/>
-          </p:nvPr>
-        </p:nvSpPr>
-        <p:spPr>
-          <a:xfrm>
-            <a:off x="839788" y="2057400"/>
-            <a:ext cx="3932237" cy="3811588"/>
-          </a:xfrm>
-        </p:spPr>
-        <p:txBody>
-          <a:bodyPr/>
-          <a:lstStyle>
-            <a:lvl1pPr marL="0" indent="0">
-              <a:buNone/>
-              <a:defRPr sz="1600"/>
-            </a:lvl1pPr>
-            <a:lvl2pPr marL="457200" indent="0">
-              <a:buNone/>
-              <a:defRPr sz="1400"/>
-            </a:lvl2pPr>
-            <a:lvl3pPr marL="914400" indent="0">
-              <a:buNone/>
-              <a:defRPr sz="1200"/>
-            </a:lvl3pPr>
-            <a:lvl4pPr marL="1371600" indent="0">
-              <a:buNone/>
-              <a:defRPr sz="1000"/>
-            </a:lvl4pPr>
-            <a:lvl5pPr marL="1828800" indent="0">
-              <a:buNone/>
-              <a:defRPr sz="1000"/>
-            </a:lvl5pPr>
-            <a:lvl6pPr marL="2286000" indent="0">
-              <a:buNone/>
-              <a:defRPr sz="1000"/>
-            </a:lvl6pPr>
-            <a:lvl7pPr marL="2743200" indent="0">
-              <a:buNone/>
-              <a:defRPr sz="1000"/>
-            </a:lvl7pPr>
-            <a:lvl8pPr marL="3200400" indent="0">
-              <a:buNone/>
-              <a:defRPr sz="1000"/>
-            </a:lvl8pPr>
-            <a:lvl9pPr marL="3657600" indent="0">
-              <a:buNone/>
-              <a:defRPr sz="1000"/>
-            </a:lvl9pPr>
-          </a:lstStyle>
-          <a:p>
             <a:pPr lvl="0"/>
             <a:r>
               <a:rPr lang="es-ES"/>
@@ -2642,13 +2338,7 @@
       </p:sp>
       <p:sp>
         <p:nvSpPr>
-          <p:cNvPr id="5" name="Marcador de fecha 4">
-            <a:extLst>
-              <a:ext uri="{FF2B5EF4-FFF2-40B4-BE49-F238E27FC236}">
-                <a16:creationId xmlns:a16="http://schemas.microsoft.com/office/drawing/2014/main" id="{FF880F11-0093-4360-9603-C48693070938}"/>
-              </a:ext>
-            </a:extLst>
-          </p:cNvPr>
+          <p:cNvPr id="5" name="Date Placeholder 4"/>
           <p:cNvSpPr>
             <a:spLocks noGrp="1"/>
           </p:cNvSpPr>
@@ -2663,7 +2353,7 @@
           <a:p>
             <a:fld id="{ADB589B5-C5A3-41C4-82B4-BDC1054ECB12}" type="datetimeFigureOut">
               <a:rPr lang="es-ES" smtClean="0"/>
-              <a:t>08/04/2018</a:t>
+              <a:t>04/09/2018</a:t>
             </a:fld>
             <a:endParaRPr lang="es-ES"/>
           </a:p>
@@ -2671,13 +2361,7 @@
       </p:sp>
       <p:sp>
         <p:nvSpPr>
-          <p:cNvPr id="6" name="Marcador de pie de página 5">
-            <a:extLst>
-              <a:ext uri="{FF2B5EF4-FFF2-40B4-BE49-F238E27FC236}">
-                <a16:creationId xmlns:a16="http://schemas.microsoft.com/office/drawing/2014/main" id="{B1C75641-9FC3-4A99-8BA3-0AB2B73260A9}"/>
-              </a:ext>
-            </a:extLst>
-          </p:cNvPr>
+          <p:cNvPr id="6" name="Footer Placeholder 5"/>
           <p:cNvSpPr>
             <a:spLocks noGrp="1"/>
           </p:cNvSpPr>
@@ -2696,13 +2380,7 @@
       </p:sp>
       <p:sp>
         <p:nvSpPr>
-          <p:cNvPr id="7" name="Marcador de número de diapositiva 6">
-            <a:extLst>
-              <a:ext uri="{FF2B5EF4-FFF2-40B4-BE49-F238E27FC236}">
-                <a16:creationId xmlns:a16="http://schemas.microsoft.com/office/drawing/2014/main" id="{DD9EE91E-2C72-435E-B3CE-8F764B712BE0}"/>
-              </a:ext>
-            </a:extLst>
-          </p:cNvPr>
+          <p:cNvPr id="7" name="Slide Number Placeholder 6"/>
           <p:cNvSpPr>
             <a:spLocks noGrp="1"/>
           </p:cNvSpPr>
@@ -2726,7 +2404,7 @@
     </p:spTree>
     <p:extLst>
       <p:ext uri="{BB962C8B-B14F-4D97-AF65-F5344CB8AC3E}">
-        <p14:creationId xmlns:p14="http://schemas.microsoft.com/office/powerpoint/2010/main" val="2449058741"/>
+        <p14:creationId xmlns:p14="http://schemas.microsoft.com/office/powerpoint/2010/main" val="1855663899"/>
       </p:ext>
     </p:extLst>
   </p:cSld>
@@ -2760,13 +2438,7 @@
       </p:grpSpPr>
       <p:sp>
         <p:nvSpPr>
-          <p:cNvPr id="2" name="Marcador de título 1">
-            <a:extLst>
-              <a:ext uri="{FF2B5EF4-FFF2-40B4-BE49-F238E27FC236}">
-                <a16:creationId xmlns:a16="http://schemas.microsoft.com/office/drawing/2014/main" id="{F71C6887-9439-447B-B033-9F810FE6DDB8}"/>
-              </a:ext>
-            </a:extLst>
-          </p:cNvPr>
+          <p:cNvPr id="2" name="Title Placeholder 1"/>
           <p:cNvSpPr>
             <a:spLocks noGrp="1"/>
           </p:cNvSpPr>
@@ -2776,8 +2448,8 @@
         </p:nvSpPr>
         <p:spPr>
           <a:xfrm>
-            <a:off x="838200" y="365125"/>
-            <a:ext cx="10515600" cy="1325563"/>
+            <a:off x="2496483" y="1534292"/>
+            <a:ext cx="31319510" cy="5570126"/>
           </a:xfrm>
           <a:prstGeom prst="rect">
             <a:avLst/>
@@ -2793,18 +2465,13 @@
               <a:rPr lang="es-ES"/>
               <a:t>Haga clic para modificar el estilo de título del patrón</a:t>
             </a:r>
-          </a:p>
-        </p:txBody>
-      </p:sp>
-      <p:sp>
-        <p:nvSpPr>
-          <p:cNvPr id="3" name="Marcador de texto 2">
-            <a:extLst>
-              <a:ext uri="{FF2B5EF4-FFF2-40B4-BE49-F238E27FC236}">
-                <a16:creationId xmlns:a16="http://schemas.microsoft.com/office/drawing/2014/main" id="{0A0A20A7-2DAF-4BF0-B01C-5028D3478185}"/>
-              </a:ext>
-            </a:extLst>
-          </p:cNvPr>
+            <a:endParaRPr lang="en-US" dirty="0"/>
+          </a:p>
+        </p:txBody>
+      </p:sp>
+      <p:sp>
+        <p:nvSpPr>
+          <p:cNvPr id="3" name="Text Placeholder 2"/>
           <p:cNvSpPr>
             <a:spLocks noGrp="1"/>
           </p:cNvSpPr>
@@ -2814,8 +2481,8 @@
         </p:nvSpPr>
         <p:spPr>
           <a:xfrm>
-            <a:off x="838200" y="1825625"/>
-            <a:ext cx="10515600" cy="4351338"/>
+            <a:off x="2496483" y="7671429"/>
+            <a:ext cx="31319510" cy="18284685"/>
           </a:xfrm>
           <a:prstGeom prst="rect">
             <a:avLst/>
@@ -2860,18 +2527,13 @@
               <a:rPr lang="es-ES"/>
               <a:t>Quinto nivel</a:t>
             </a:r>
-          </a:p>
-        </p:txBody>
-      </p:sp>
-      <p:sp>
-        <p:nvSpPr>
-          <p:cNvPr id="4" name="Marcador de fecha 3">
-            <a:extLst>
-              <a:ext uri="{FF2B5EF4-FFF2-40B4-BE49-F238E27FC236}">
-                <a16:creationId xmlns:a16="http://schemas.microsoft.com/office/drawing/2014/main" id="{1A8587C2-9609-4E1D-9C92-6F8801EB7241}"/>
-              </a:ext>
-            </a:extLst>
-          </p:cNvPr>
+            <a:endParaRPr lang="en-US" dirty="0"/>
+          </a:p>
+        </p:txBody>
+      </p:sp>
+      <p:sp>
+        <p:nvSpPr>
+          <p:cNvPr id="4" name="Date Placeholder 3"/>
           <p:cNvSpPr>
             <a:spLocks noGrp="1"/>
           </p:cNvSpPr>
@@ -2881,8 +2543,8 @@
         </p:nvSpPr>
         <p:spPr>
           <a:xfrm>
-            <a:off x="838200" y="6356350"/>
-            <a:ext cx="2743200" cy="365125"/>
+            <a:off x="2496483" y="26709919"/>
+            <a:ext cx="8170307" cy="1534286"/>
           </a:xfrm>
           <a:prstGeom prst="rect">
             <a:avLst/>
@@ -2892,7 +2554,7 @@
           <a:bodyPr vert="horz" lIns="91440" tIns="45720" rIns="91440" bIns="45720" rtlCol="0" anchor="ctr"/>
           <a:lstStyle>
             <a:lvl1pPr algn="l">
-              <a:defRPr sz="1200">
+              <a:defRPr sz="4765">
                 <a:solidFill>
                   <a:schemeClr val="tx1">
                     <a:tint val="75000"/>
@@ -2904,7 +2566,7 @@
           <a:p>
             <a:fld id="{ADB589B5-C5A3-41C4-82B4-BDC1054ECB12}" type="datetimeFigureOut">
               <a:rPr lang="es-ES" smtClean="0"/>
-              <a:t>08/04/2018</a:t>
+              <a:t>04/09/2018</a:t>
             </a:fld>
             <a:endParaRPr lang="es-ES"/>
           </a:p>
@@ -2912,13 +2574,7 @@
       </p:sp>
       <p:sp>
         <p:nvSpPr>
-          <p:cNvPr id="5" name="Marcador de pie de página 4">
-            <a:extLst>
-              <a:ext uri="{FF2B5EF4-FFF2-40B4-BE49-F238E27FC236}">
-                <a16:creationId xmlns:a16="http://schemas.microsoft.com/office/drawing/2014/main" id="{A0E686AA-725A-43AF-8636-2928E6D07F98}"/>
-              </a:ext>
-            </a:extLst>
-          </p:cNvPr>
+          <p:cNvPr id="5" name="Footer Placeholder 4"/>
           <p:cNvSpPr>
             <a:spLocks noGrp="1"/>
           </p:cNvSpPr>
@@ -2928,8 +2584,8 @@
         </p:nvSpPr>
         <p:spPr>
           <a:xfrm>
-            <a:off x="4038600" y="6356350"/>
-            <a:ext cx="4114800" cy="365125"/>
+            <a:off x="12028508" y="26709919"/>
+            <a:ext cx="12255460" cy="1534286"/>
           </a:xfrm>
           <a:prstGeom prst="rect">
             <a:avLst/>
@@ -2939,7 +2595,7 @@
           <a:bodyPr vert="horz" lIns="91440" tIns="45720" rIns="91440" bIns="45720" rtlCol="0" anchor="ctr"/>
           <a:lstStyle>
             <a:lvl1pPr algn="ctr">
-              <a:defRPr sz="1200">
+              <a:defRPr sz="4765">
                 <a:solidFill>
                   <a:schemeClr val="tx1">
                     <a:tint val="75000"/>
@@ -2955,13 +2611,7 @@
       </p:sp>
       <p:sp>
         <p:nvSpPr>
-          <p:cNvPr id="6" name="Marcador de número de diapositiva 5">
-            <a:extLst>
-              <a:ext uri="{FF2B5EF4-FFF2-40B4-BE49-F238E27FC236}">
-                <a16:creationId xmlns:a16="http://schemas.microsoft.com/office/drawing/2014/main" id="{765515AC-512B-43DE-B9C2-FB84B7F2B83C}"/>
-              </a:ext>
-            </a:extLst>
-          </p:cNvPr>
+          <p:cNvPr id="6" name="Slide Number Placeholder 5"/>
           <p:cNvSpPr>
             <a:spLocks noGrp="1"/>
           </p:cNvSpPr>
@@ -2971,8 +2621,8 @@
         </p:nvSpPr>
         <p:spPr>
           <a:xfrm>
-            <a:off x="8610600" y="6356350"/>
-            <a:ext cx="2743200" cy="365125"/>
+            <a:off x="25645685" y="26709919"/>
+            <a:ext cx="8170307" cy="1534286"/>
           </a:xfrm>
           <a:prstGeom prst="rect">
             <a:avLst/>
@@ -2982,7 +2632,7 @@
           <a:bodyPr vert="horz" lIns="91440" tIns="45720" rIns="91440" bIns="45720" rtlCol="0" anchor="ctr"/>
           <a:lstStyle>
             <a:lvl1pPr algn="r">
-              <a:defRPr sz="1200">
+              <a:defRPr sz="4765">
                 <a:solidFill>
                   <a:schemeClr val="tx1">
                     <a:tint val="75000"/>
@@ -3003,27 +2653,27 @@
     </p:spTree>
     <p:extLst>
       <p:ext uri="{BB962C8B-B14F-4D97-AF65-F5344CB8AC3E}">
-        <p14:creationId xmlns:p14="http://schemas.microsoft.com/office/powerpoint/2010/main" val="1133491375"/>
+        <p14:creationId xmlns:p14="http://schemas.microsoft.com/office/powerpoint/2010/main" val="1514052214"/>
       </p:ext>
     </p:extLst>
   </p:cSld>
   <p:clrMap bg1="lt1" tx1="dk1" bg2="lt2" tx2="dk2" accent1="accent1" accent2="accent2" accent3="accent3" accent4="accent4" accent5="accent5" accent6="accent6" hlink="hlink" folHlink="folHlink"/>
   <p:sldLayoutIdLst>
-    <p:sldLayoutId id="2147483649" r:id="rId1"/>
-    <p:sldLayoutId id="2147483650" r:id="rId2"/>
-    <p:sldLayoutId id="2147483651" r:id="rId3"/>
-    <p:sldLayoutId id="2147483652" r:id="rId4"/>
-    <p:sldLayoutId id="2147483653" r:id="rId5"/>
-    <p:sldLayoutId id="2147483654" r:id="rId6"/>
-    <p:sldLayoutId id="2147483655" r:id="rId7"/>
-    <p:sldLayoutId id="2147483656" r:id="rId8"/>
-    <p:sldLayoutId id="2147483657" r:id="rId9"/>
-    <p:sldLayoutId id="2147483658" r:id="rId10"/>
-    <p:sldLayoutId id="2147483659" r:id="rId11"/>
+    <p:sldLayoutId id="2147483661" r:id="rId1"/>
+    <p:sldLayoutId id="2147483662" r:id="rId2"/>
+    <p:sldLayoutId id="2147483663" r:id="rId3"/>
+    <p:sldLayoutId id="2147483664" r:id="rId4"/>
+    <p:sldLayoutId id="2147483665" r:id="rId5"/>
+    <p:sldLayoutId id="2147483666" r:id="rId6"/>
+    <p:sldLayoutId id="2147483667" r:id="rId7"/>
+    <p:sldLayoutId id="2147483668" r:id="rId8"/>
+    <p:sldLayoutId id="2147483669" r:id="rId9"/>
+    <p:sldLayoutId id="2147483670" r:id="rId10"/>
+    <p:sldLayoutId id="2147483671" r:id="rId11"/>
   </p:sldLayoutIdLst>
   <p:txStyles>
     <p:titleStyle>
-      <a:lvl1pPr algn="l" defTabSz="914400" rtl="0" eaLnBrk="1" latinLnBrk="0" hangingPunct="1">
+      <a:lvl1pPr algn="l" defTabSz="3631265" rtl="0" eaLnBrk="1" latinLnBrk="0" hangingPunct="1">
         <a:lnSpc>
           <a:spcPct val="90000"/>
         </a:lnSpc>
@@ -3031,7 +2681,7 @@
           <a:spcPct val="0"/>
         </a:spcBef>
         <a:buNone/>
-        <a:defRPr sz="4400" kern="1200">
+        <a:defRPr sz="17473" kern="1200">
           <a:solidFill>
             <a:schemeClr val="tx1"/>
           </a:solidFill>
@@ -3042,16 +2692,16 @@
       </a:lvl1pPr>
     </p:titleStyle>
     <p:bodyStyle>
-      <a:lvl1pPr marL="228600" indent="-228600" algn="l" defTabSz="914400" rtl="0" eaLnBrk="1" latinLnBrk="0" hangingPunct="1">
+      <a:lvl1pPr marL="907816" indent="-907816" algn="l" defTabSz="3631265" rtl="0" eaLnBrk="1" latinLnBrk="0" hangingPunct="1">
         <a:lnSpc>
           <a:spcPct val="90000"/>
         </a:lnSpc>
         <a:spcBef>
-          <a:spcPts val="1000"/>
+          <a:spcPts val="3971"/>
         </a:spcBef>
         <a:buFont typeface="Arial" panose="020B0604020202020204" pitchFamily="34" charset="0"/>
         <a:buChar char="•"/>
-        <a:defRPr sz="2800" kern="1200">
+        <a:defRPr sz="11119" kern="1200">
           <a:solidFill>
             <a:schemeClr val="tx1"/>
           </a:solidFill>
@@ -3060,16 +2710,16 @@
           <a:cs typeface="+mn-cs"/>
         </a:defRPr>
       </a:lvl1pPr>
-      <a:lvl2pPr marL="685800" indent="-228600" algn="l" defTabSz="914400" rtl="0" eaLnBrk="1" latinLnBrk="0" hangingPunct="1">
+      <a:lvl2pPr marL="2723449" indent="-907816" algn="l" defTabSz="3631265" rtl="0" eaLnBrk="1" latinLnBrk="0" hangingPunct="1">
         <a:lnSpc>
           <a:spcPct val="90000"/>
         </a:lnSpc>
         <a:spcBef>
-          <a:spcPts val="500"/>
+          <a:spcPts val="1986"/>
         </a:spcBef>
         <a:buFont typeface="Arial" panose="020B0604020202020204" pitchFamily="34" charset="0"/>
         <a:buChar char="•"/>
-        <a:defRPr sz="2400" kern="1200">
+        <a:defRPr sz="9531" kern="1200">
           <a:solidFill>
             <a:schemeClr val="tx1"/>
           </a:solidFill>
@@ -3078,16 +2728,16 @@
           <a:cs typeface="+mn-cs"/>
         </a:defRPr>
       </a:lvl2pPr>
-      <a:lvl3pPr marL="1143000" indent="-228600" algn="l" defTabSz="914400" rtl="0" eaLnBrk="1" latinLnBrk="0" hangingPunct="1">
+      <a:lvl3pPr marL="4539082" indent="-907816" algn="l" defTabSz="3631265" rtl="0" eaLnBrk="1" latinLnBrk="0" hangingPunct="1">
         <a:lnSpc>
           <a:spcPct val="90000"/>
         </a:lnSpc>
         <a:spcBef>
-          <a:spcPts val="500"/>
+          <a:spcPts val="1986"/>
         </a:spcBef>
         <a:buFont typeface="Arial" panose="020B0604020202020204" pitchFamily="34" charset="0"/>
         <a:buChar char="•"/>
-        <a:defRPr sz="2000" kern="1200">
+        <a:defRPr sz="7942" kern="1200">
           <a:solidFill>
             <a:schemeClr val="tx1"/>
           </a:solidFill>
@@ -3096,16 +2746,16 @@
           <a:cs typeface="+mn-cs"/>
         </a:defRPr>
       </a:lvl3pPr>
-      <a:lvl4pPr marL="1600200" indent="-228600" algn="l" defTabSz="914400" rtl="0" eaLnBrk="1" latinLnBrk="0" hangingPunct="1">
+      <a:lvl4pPr marL="6354714" indent="-907816" algn="l" defTabSz="3631265" rtl="0" eaLnBrk="1" latinLnBrk="0" hangingPunct="1">
         <a:lnSpc>
           <a:spcPct val="90000"/>
         </a:lnSpc>
         <a:spcBef>
-          <a:spcPts val="500"/>
+          <a:spcPts val="1986"/>
         </a:spcBef>
         <a:buFont typeface="Arial" panose="020B0604020202020204" pitchFamily="34" charset="0"/>
         <a:buChar char="•"/>
-        <a:defRPr sz="1800" kern="1200">
+        <a:defRPr sz="7148" kern="1200">
           <a:solidFill>
             <a:schemeClr val="tx1"/>
           </a:solidFill>
@@ -3114,16 +2764,16 @@
           <a:cs typeface="+mn-cs"/>
         </a:defRPr>
       </a:lvl4pPr>
-      <a:lvl5pPr marL="2057400" indent="-228600" algn="l" defTabSz="914400" rtl="0" eaLnBrk="1" latinLnBrk="0" hangingPunct="1">
+      <a:lvl5pPr marL="8170347" indent="-907816" algn="l" defTabSz="3631265" rtl="0" eaLnBrk="1" latinLnBrk="0" hangingPunct="1">
         <a:lnSpc>
           <a:spcPct val="90000"/>
         </a:lnSpc>
         <a:spcBef>
-          <a:spcPts val="500"/>
+          <a:spcPts val="1986"/>
         </a:spcBef>
         <a:buFont typeface="Arial" panose="020B0604020202020204" pitchFamily="34" charset="0"/>
         <a:buChar char="•"/>
-        <a:defRPr sz="1800" kern="1200">
+        <a:defRPr sz="7148" kern="1200">
           <a:solidFill>
             <a:schemeClr val="tx1"/>
           </a:solidFill>
@@ -3132,16 +2782,16 @@
           <a:cs typeface="+mn-cs"/>
         </a:defRPr>
       </a:lvl5pPr>
-      <a:lvl6pPr marL="2514600" indent="-228600" algn="l" defTabSz="914400" rtl="0" eaLnBrk="1" latinLnBrk="0" hangingPunct="1">
+      <a:lvl6pPr marL="9985980" indent="-907816" algn="l" defTabSz="3631265" rtl="0" eaLnBrk="1" latinLnBrk="0" hangingPunct="1">
         <a:lnSpc>
           <a:spcPct val="90000"/>
         </a:lnSpc>
         <a:spcBef>
-          <a:spcPts val="500"/>
+          <a:spcPts val="1986"/>
         </a:spcBef>
         <a:buFont typeface="Arial" panose="020B0604020202020204" pitchFamily="34" charset="0"/>
         <a:buChar char="•"/>
-        <a:defRPr sz="1800" kern="1200">
+        <a:defRPr sz="7148" kern="1200">
           <a:solidFill>
             <a:schemeClr val="tx1"/>
           </a:solidFill>
@@ -3150,16 +2800,16 @@
           <a:cs typeface="+mn-cs"/>
         </a:defRPr>
       </a:lvl6pPr>
-      <a:lvl7pPr marL="2971800" indent="-228600" algn="l" defTabSz="914400" rtl="0" eaLnBrk="1" latinLnBrk="0" hangingPunct="1">
+      <a:lvl7pPr marL="11801612" indent="-907816" algn="l" defTabSz="3631265" rtl="0" eaLnBrk="1" latinLnBrk="0" hangingPunct="1">
         <a:lnSpc>
           <a:spcPct val="90000"/>
         </a:lnSpc>
         <a:spcBef>
-          <a:spcPts val="500"/>
+          <a:spcPts val="1986"/>
         </a:spcBef>
         <a:buFont typeface="Arial" panose="020B0604020202020204" pitchFamily="34" charset="0"/>
         <a:buChar char="•"/>
-        <a:defRPr sz="1800" kern="1200">
+        <a:defRPr sz="7148" kern="1200">
           <a:solidFill>
             <a:schemeClr val="tx1"/>
           </a:solidFill>
@@ -3168,16 +2818,16 @@
           <a:cs typeface="+mn-cs"/>
         </a:defRPr>
       </a:lvl7pPr>
-      <a:lvl8pPr marL="3429000" indent="-228600" algn="l" defTabSz="914400" rtl="0" eaLnBrk="1" latinLnBrk="0" hangingPunct="1">
+      <a:lvl8pPr marL="13617245" indent="-907816" algn="l" defTabSz="3631265" rtl="0" eaLnBrk="1" latinLnBrk="0" hangingPunct="1">
         <a:lnSpc>
           <a:spcPct val="90000"/>
         </a:lnSpc>
         <a:spcBef>
-          <a:spcPts val="500"/>
+          <a:spcPts val="1986"/>
         </a:spcBef>
         <a:buFont typeface="Arial" panose="020B0604020202020204" pitchFamily="34" charset="0"/>
         <a:buChar char="•"/>
-        <a:defRPr sz="1800" kern="1200">
+        <a:defRPr sz="7148" kern="1200">
           <a:solidFill>
             <a:schemeClr val="tx1"/>
           </a:solidFill>
@@ -3186,16 +2836,16 @@
           <a:cs typeface="+mn-cs"/>
         </a:defRPr>
       </a:lvl8pPr>
-      <a:lvl9pPr marL="3886200" indent="-228600" algn="l" defTabSz="914400" rtl="0" eaLnBrk="1" latinLnBrk="0" hangingPunct="1">
+      <a:lvl9pPr marL="15432877" indent="-907816" algn="l" defTabSz="3631265" rtl="0" eaLnBrk="1" latinLnBrk="0" hangingPunct="1">
         <a:lnSpc>
           <a:spcPct val="90000"/>
         </a:lnSpc>
         <a:spcBef>
-          <a:spcPts val="500"/>
+          <a:spcPts val="1986"/>
         </a:spcBef>
         <a:buFont typeface="Arial" panose="020B0604020202020204" pitchFamily="34" charset="0"/>
         <a:buChar char="•"/>
-        <a:defRPr sz="1800" kern="1200">
+        <a:defRPr sz="7148" kern="1200">
           <a:solidFill>
             <a:schemeClr val="tx1"/>
           </a:solidFill>
@@ -3207,10 +2857,10 @@
     </p:bodyStyle>
     <p:otherStyle>
       <a:defPPr>
-        <a:defRPr lang="es-ES"/>
+        <a:defRPr lang="en-US"/>
       </a:defPPr>
-      <a:lvl1pPr marL="0" algn="l" defTabSz="914400" rtl="0" eaLnBrk="1" latinLnBrk="0" hangingPunct="1">
-        <a:defRPr sz="1800" kern="1200">
+      <a:lvl1pPr marL="0" algn="l" defTabSz="3631265" rtl="0" eaLnBrk="1" latinLnBrk="0" hangingPunct="1">
+        <a:defRPr sz="7148" kern="1200">
           <a:solidFill>
             <a:schemeClr val="tx1"/>
           </a:solidFill>
@@ -3219,8 +2869,8 @@
           <a:cs typeface="+mn-cs"/>
         </a:defRPr>
       </a:lvl1pPr>
-      <a:lvl2pPr marL="457200" algn="l" defTabSz="914400" rtl="0" eaLnBrk="1" latinLnBrk="0" hangingPunct="1">
-        <a:defRPr sz="1800" kern="1200">
+      <a:lvl2pPr marL="1815633" algn="l" defTabSz="3631265" rtl="0" eaLnBrk="1" latinLnBrk="0" hangingPunct="1">
+        <a:defRPr sz="7148" kern="1200">
           <a:solidFill>
             <a:schemeClr val="tx1"/>
           </a:solidFill>
@@ -3229,8 +2879,8 @@
           <a:cs typeface="+mn-cs"/>
         </a:defRPr>
       </a:lvl2pPr>
-      <a:lvl3pPr marL="914400" algn="l" defTabSz="914400" rtl="0" eaLnBrk="1" latinLnBrk="0" hangingPunct="1">
-        <a:defRPr sz="1800" kern="1200">
+      <a:lvl3pPr marL="3631265" algn="l" defTabSz="3631265" rtl="0" eaLnBrk="1" latinLnBrk="0" hangingPunct="1">
+        <a:defRPr sz="7148" kern="1200">
           <a:solidFill>
             <a:schemeClr val="tx1"/>
           </a:solidFill>
@@ -3239,8 +2889,8 @@
           <a:cs typeface="+mn-cs"/>
         </a:defRPr>
       </a:lvl3pPr>
-      <a:lvl4pPr marL="1371600" algn="l" defTabSz="914400" rtl="0" eaLnBrk="1" latinLnBrk="0" hangingPunct="1">
-        <a:defRPr sz="1800" kern="1200">
+      <a:lvl4pPr marL="5446898" algn="l" defTabSz="3631265" rtl="0" eaLnBrk="1" latinLnBrk="0" hangingPunct="1">
+        <a:defRPr sz="7148" kern="1200">
           <a:solidFill>
             <a:schemeClr val="tx1"/>
           </a:solidFill>
@@ -3249,8 +2899,8 @@
           <a:cs typeface="+mn-cs"/>
         </a:defRPr>
       </a:lvl4pPr>
-      <a:lvl5pPr marL="1828800" algn="l" defTabSz="914400" rtl="0" eaLnBrk="1" latinLnBrk="0" hangingPunct="1">
-        <a:defRPr sz="1800" kern="1200">
+      <a:lvl5pPr marL="7262531" algn="l" defTabSz="3631265" rtl="0" eaLnBrk="1" latinLnBrk="0" hangingPunct="1">
+        <a:defRPr sz="7148" kern="1200">
           <a:solidFill>
             <a:schemeClr val="tx1"/>
           </a:solidFill>
@@ -3259,8 +2909,8 @@
           <a:cs typeface="+mn-cs"/>
         </a:defRPr>
       </a:lvl5pPr>
-      <a:lvl6pPr marL="2286000" algn="l" defTabSz="914400" rtl="0" eaLnBrk="1" latinLnBrk="0" hangingPunct="1">
-        <a:defRPr sz="1800" kern="1200">
+      <a:lvl6pPr marL="9078163" algn="l" defTabSz="3631265" rtl="0" eaLnBrk="1" latinLnBrk="0" hangingPunct="1">
+        <a:defRPr sz="7148" kern="1200">
           <a:solidFill>
             <a:schemeClr val="tx1"/>
           </a:solidFill>
@@ -3269,8 +2919,8 @@
           <a:cs typeface="+mn-cs"/>
         </a:defRPr>
       </a:lvl6pPr>
-      <a:lvl7pPr marL="2743200" algn="l" defTabSz="914400" rtl="0" eaLnBrk="1" latinLnBrk="0" hangingPunct="1">
-        <a:defRPr sz="1800" kern="1200">
+      <a:lvl7pPr marL="10893796" algn="l" defTabSz="3631265" rtl="0" eaLnBrk="1" latinLnBrk="0" hangingPunct="1">
+        <a:defRPr sz="7148" kern="1200">
           <a:solidFill>
             <a:schemeClr val="tx1"/>
           </a:solidFill>
@@ -3279,8 +2929,8 @@
           <a:cs typeface="+mn-cs"/>
         </a:defRPr>
       </a:lvl7pPr>
-      <a:lvl8pPr marL="3200400" algn="l" defTabSz="914400" rtl="0" eaLnBrk="1" latinLnBrk="0" hangingPunct="1">
-        <a:defRPr sz="1800" kern="1200">
+      <a:lvl8pPr marL="12709428" algn="l" defTabSz="3631265" rtl="0" eaLnBrk="1" latinLnBrk="0" hangingPunct="1">
+        <a:defRPr sz="7148" kern="1200">
           <a:solidFill>
             <a:schemeClr val="tx1"/>
           </a:solidFill>
@@ -3289,8 +2939,8 @@
           <a:cs typeface="+mn-cs"/>
         </a:defRPr>
       </a:lvl8pPr>
-      <a:lvl9pPr marL="3657600" algn="l" defTabSz="914400" rtl="0" eaLnBrk="1" latinLnBrk="0" hangingPunct="1">
-        <a:defRPr sz="1800" kern="1200">
+      <a:lvl9pPr marL="14525061" algn="l" defTabSz="3631265" rtl="0" eaLnBrk="1" latinLnBrk="0" hangingPunct="1">
+        <a:defRPr sz="7148" kern="1200">
           <a:solidFill>
             <a:schemeClr val="tx1"/>
           </a:solidFill>
@@ -3335,7 +2985,7 @@
         </p:nvSpPr>
         <p:spPr>
           <a:xfrm>
-            <a:off x="543697" y="3694677"/>
+            <a:off x="12603935" y="14674622"/>
             <a:ext cx="308919" cy="2508421"/>
           </a:xfrm>
           <a:prstGeom prst="rect">
@@ -3372,7 +3022,7 @@
           <a:p>
             <a:pPr algn="ctr"/>
             <a:r>
-              <a:rPr lang="es-NI" dirty="0"/>
+              <a:rPr lang="es-NI" sz="2000" b="1" dirty="0"/>
               <a:t>Robótica</a:t>
             </a:r>
           </a:p>
@@ -3392,7 +3042,7 @@
         </p:nvGrpSpPr>
         <p:grpSpPr>
           <a:xfrm>
-            <a:off x="1544595" y="3926365"/>
+            <a:off x="13604833" y="14906310"/>
             <a:ext cx="2335427" cy="2045043"/>
             <a:chOff x="1544595" y="3429000"/>
             <a:chExt cx="2335427" cy="2045043"/>
@@ -3416,7 +3066,9 @@
               <a:ext cx="2335427" cy="2045043"/>
             </a:xfrm>
             <a:prstGeom prst="roundRect">
-              <a:avLst/>
+              <a:avLst>
+                <a:gd name="adj" fmla="val 10279"/>
+              </a:avLst>
             </a:prstGeom>
           </p:spPr>
           <p:style>
@@ -3443,7 +3095,7 @@
                 <a:buFont typeface="Arial" panose="020B0604020202020204" pitchFamily="34" charset="0"/>
                 <a:buChar char="•"/>
               </a:pPr>
-              <a:endParaRPr lang="es-NI" sz="1400" dirty="0"/>
+              <a:endParaRPr lang="es-NI" sz="1400" b="1" dirty="0"/>
             </a:p>
             <a:p>
               <a:pPr marL="285750" indent="-285750">
@@ -3451,12 +3103,12 @@
                 <a:buChar char="•"/>
               </a:pPr>
               <a:r>
-                <a:rPr lang="es-NI" sz="1400" dirty="0"/>
+                <a:rPr lang="es-NI" sz="1600" b="1" dirty="0"/>
                 <a:t>Utilización en el país</a:t>
               </a:r>
             </a:p>
             <a:p>
-              <a:endParaRPr lang="es-NI" sz="1400" dirty="0"/>
+              <a:endParaRPr lang="es-NI" sz="1400" b="1" dirty="0"/>
             </a:p>
             <a:p>
               <a:pPr marL="285750" indent="-285750">
@@ -3464,12 +3116,12 @@
                 <a:buChar char="•"/>
               </a:pPr>
               <a:r>
-                <a:rPr lang="es-NI" sz="1400" dirty="0"/>
+                <a:rPr lang="es-NI" sz="1600" b="1" dirty="0"/>
                 <a:t>Investigación</a:t>
               </a:r>
             </a:p>
             <a:p>
-              <a:endParaRPr lang="es-NI" sz="1400" dirty="0"/>
+              <a:endParaRPr lang="es-NI" sz="1400" b="1" dirty="0"/>
             </a:p>
             <a:p>
               <a:pPr marL="285750" indent="-285750">
@@ -3477,12 +3129,13 @@
                 <a:buChar char="•"/>
               </a:pPr>
               <a:r>
-                <a:rPr lang="es-NI" sz="1400" dirty="0"/>
+                <a:rPr lang="es-NI" sz="1600" b="1" dirty="0"/>
                 <a:t>Desarrollo</a:t>
               </a:r>
+              <a:endParaRPr lang="es-NI" sz="1400" b="1" dirty="0"/>
             </a:p>
             <a:p>
-              <a:endParaRPr lang="es-NI" sz="1400" dirty="0"/>
+              <a:endParaRPr lang="es-NI" sz="1400" b="1" dirty="0"/>
             </a:p>
             <a:p>
               <a:pPr marL="285750" indent="-285750">
@@ -3490,12 +3143,12 @@
                 <a:buChar char="•"/>
               </a:pPr>
               <a:r>
-                <a:rPr lang="es-NI" sz="1400" dirty="0"/>
+                <a:rPr lang="es-NI" sz="1600" b="1" dirty="0"/>
                 <a:t>Formación</a:t>
               </a:r>
             </a:p>
             <a:p>
-              <a:endParaRPr lang="es-NI" sz="1400" dirty="0"/>
+              <a:endParaRPr lang="es-NI" sz="1400" b="1" dirty="0"/>
             </a:p>
           </p:txBody>
         </p:sp>
@@ -3640,7 +3293,7 @@
         </p:nvCxnSpPr>
         <p:spPr>
           <a:xfrm flipV="1">
-            <a:off x="852616" y="4948887"/>
+            <a:off x="12912854" y="15928832"/>
             <a:ext cx="691979" cy="1"/>
           </a:xfrm>
           <a:prstGeom prst="straightConnector1">
@@ -3670,55 +3323,6 @@
       </p:cxnSp>
       <p:sp>
         <p:nvSpPr>
-          <p:cNvPr id="15" name="Flecha: a la derecha 14">
-            <a:extLst>
-              <a:ext uri="{FF2B5EF4-FFF2-40B4-BE49-F238E27FC236}">
-                <a16:creationId xmlns:a16="http://schemas.microsoft.com/office/drawing/2014/main" id="{865620B9-8646-4BA0-AC43-CF47559106A8}"/>
-              </a:ext>
-            </a:extLst>
-          </p:cNvPr>
-          <p:cNvSpPr/>
-          <p:nvPr/>
-        </p:nvSpPr>
-        <p:spPr>
-          <a:xfrm>
-            <a:off x="3995353" y="4020975"/>
-            <a:ext cx="1824679" cy="1855822"/>
-          </a:xfrm>
-          <a:prstGeom prst="rightArrow">
-            <a:avLst/>
-          </a:prstGeom>
-        </p:spPr>
-        <p:style>
-          <a:lnRef idx="2">
-            <a:schemeClr val="accent1">
-              <a:shade val="50000"/>
-            </a:schemeClr>
-          </a:lnRef>
-          <a:fillRef idx="1">
-            <a:schemeClr val="accent1"/>
-          </a:fillRef>
-          <a:effectRef idx="0">
-            <a:schemeClr val="accent1"/>
-          </a:effectRef>
-          <a:fontRef idx="minor">
-            <a:schemeClr val="lt1"/>
-          </a:fontRef>
-        </p:style>
-        <p:txBody>
-          <a:bodyPr rtlCol="0" anchor="ctr"/>
-          <a:lstStyle/>
-          <a:p>
-            <a:pPr algn="ctr"/>
-            <a:r>
-              <a:rPr lang="es-NI" sz="1100" dirty="0"/>
-              <a:t>Entrevista con Profesionales en la industria y catedráticos de la Universidad</a:t>
-            </a:r>
-          </a:p>
-        </p:txBody>
-      </p:sp>
-      <p:sp>
-        <p:nvSpPr>
           <p:cNvPr id="17" name="Elipse 16">
             <a:extLst>
               <a:ext uri="{FF2B5EF4-FFF2-40B4-BE49-F238E27FC236}">
@@ -3731,8 +3335,8 @@
         </p:nvSpPr>
         <p:spPr>
           <a:xfrm>
-            <a:off x="5935363" y="4412911"/>
-            <a:ext cx="1087395" cy="1071950"/>
+            <a:off x="17825847" y="15435885"/>
+            <a:ext cx="1355123" cy="996262"/>
           </a:xfrm>
           <a:prstGeom prst="ellipse">
             <a:avLst/>
@@ -3760,7 +3364,7 @@
           <a:p>
             <a:pPr algn="ctr"/>
             <a:r>
-              <a:rPr lang="es-NI" sz="1200" dirty="0"/>
+              <a:rPr lang="es-NI" sz="1400" b="1" dirty="0"/>
               <a:t>Niveles Bajos de uso de la Robótica</a:t>
             </a:r>
           </a:p>
@@ -3780,7 +3384,7 @@
         </p:nvGrpSpPr>
         <p:grpSpPr>
           <a:xfrm>
-            <a:off x="7356391" y="4263086"/>
+            <a:off x="19498274" y="15243030"/>
             <a:ext cx="1355123" cy="1371600"/>
             <a:chOff x="1544595" y="3429000"/>
             <a:chExt cx="2335427" cy="2045043"/>
@@ -3911,9 +3515,9 @@
           <p:nvPr/>
         </p:nvCxnSpPr>
         <p:spPr>
-          <a:xfrm>
-            <a:off x="7022758" y="4948886"/>
-            <a:ext cx="333633" cy="0"/>
+          <a:xfrm flipV="1">
+            <a:off x="19180970" y="15928830"/>
+            <a:ext cx="317304" cy="5186"/>
           </a:xfrm>
           <a:prstGeom prst="straightConnector1">
             <a:avLst/>
@@ -3954,7 +3558,7 @@
         </p:nvCxnSpPr>
         <p:spPr>
           <a:xfrm>
-            <a:off x="8723871" y="4966152"/>
+            <a:off x="20865753" y="15946096"/>
             <a:ext cx="481914" cy="0"/>
           </a:xfrm>
           <a:prstGeom prst="line">
@@ -3997,7 +3601,7 @@
         </p:nvCxnSpPr>
         <p:spPr>
           <a:xfrm flipV="1">
-            <a:off x="9193428" y="4633791"/>
+            <a:off x="21335311" y="15613735"/>
             <a:ext cx="395415" cy="315096"/>
           </a:xfrm>
           <a:prstGeom prst="straightConnector1">
@@ -4041,7 +3645,7 @@
         </p:nvCxnSpPr>
         <p:spPr>
           <a:xfrm>
-            <a:off x="9193428" y="4974631"/>
+            <a:off x="21335311" y="15954575"/>
             <a:ext cx="395415" cy="215214"/>
           </a:xfrm>
           <a:prstGeom prst="straightConnector1">
@@ -4080,19 +3684,19 @@
           </p:cNvPr>
           <p:cNvCxnSpPr>
             <a:cxnSpLocks/>
-            <a:endCxn id="41" idx="2"/>
+            <a:endCxn id="41" idx="0"/>
           </p:cNvCxnSpPr>
           <p:nvPr/>
         </p:nvCxnSpPr>
         <p:spPr>
-          <a:xfrm flipV="1">
-            <a:off x="10435281" y="2793660"/>
-            <a:ext cx="0" cy="3083137"/>
+          <a:xfrm>
+            <a:off x="22495514" y="14639038"/>
+            <a:ext cx="0" cy="3739354"/>
           </a:xfrm>
           <a:prstGeom prst="straightConnector1">
             <a:avLst/>
           </a:prstGeom>
-          <a:ln w="57150">
+          <a:ln w="76200">
             <a:solidFill>
               <a:srgbClr val="FF0000"/>
             </a:solidFill>
@@ -4128,7 +3732,7 @@
         </p:nvSpPr>
         <p:spPr>
           <a:xfrm>
-            <a:off x="9588843" y="4263086"/>
+            <a:off x="21730725" y="15243031"/>
             <a:ext cx="1692876" cy="593127"/>
           </a:xfrm>
           <a:prstGeom prst="rect">
@@ -4177,8 +3781,8 @@
         </p:nvSpPr>
         <p:spPr>
           <a:xfrm>
-            <a:off x="9592965" y="5046709"/>
-            <a:ext cx="1692876" cy="593127"/>
+            <a:off x="21734847" y="16026654"/>
+            <a:ext cx="1688750" cy="739859"/>
           </a:xfrm>
           <a:prstGeom prst="rect">
             <a:avLst/>
@@ -4207,7 +3811,7 @@
             <a:pPr algn="ctr"/>
             <a:r>
               <a:rPr lang="es-NI" dirty="0"/>
-              <a:t>Currículo de formación</a:t>
+              <a:t>Currículo del alumno en  formación</a:t>
             </a:r>
           </a:p>
         </p:txBody>
@@ -4226,7 +3830,7 @@
         </p:nvSpPr>
         <p:spPr>
           <a:xfrm>
-            <a:off x="9588843" y="1071432"/>
+            <a:off x="21649076" y="18378392"/>
             <a:ext cx="1692876" cy="1722228"/>
           </a:xfrm>
           <a:prstGeom prst="rect">
@@ -4256,7 +3860,7 @@
             <a:pPr algn="ctr"/>
             <a:r>
               <a:rPr lang="es-NI" dirty="0"/>
-              <a:t>Laboratorio Virtual de Robótica Industrial.</a:t>
+              <a:t>Escenarios Virtuales de Robótica Industrial.</a:t>
             </a:r>
           </a:p>
         </p:txBody>
@@ -4275,7 +3879,7 @@
         </p:nvGrpSpPr>
         <p:grpSpPr>
           <a:xfrm>
-            <a:off x="6870358" y="1244943"/>
+            <a:off x="18930592" y="18551903"/>
             <a:ext cx="1853513" cy="1371600"/>
             <a:chOff x="6870358" y="1492076"/>
             <a:chExt cx="1853513" cy="1371600"/>
@@ -4481,7 +4085,7 @@
         </p:nvCxnSpPr>
         <p:spPr>
           <a:xfrm flipH="1" flipV="1">
-            <a:off x="8711514" y="1930743"/>
+            <a:off x="20771748" y="19237704"/>
             <a:ext cx="877329" cy="1803"/>
           </a:xfrm>
           <a:prstGeom prst="straightConnector1">
@@ -4523,7 +4127,7 @@
         </p:nvSpPr>
         <p:spPr>
           <a:xfrm>
-            <a:off x="1924051" y="1385496"/>
+            <a:off x="13984285" y="18692456"/>
             <a:ext cx="2335427" cy="1090494"/>
           </a:xfrm>
           <a:prstGeom prst="ellipse">
@@ -4573,11 +4177,14 @@
         </p:nvSpPr>
         <p:spPr>
           <a:xfrm flipH="1">
-            <a:off x="4521545" y="1002832"/>
-            <a:ext cx="1824679" cy="1855822"/>
+            <a:off x="16434816" y="18309792"/>
+            <a:ext cx="2335423" cy="1855822"/>
           </a:xfrm>
           <a:prstGeom prst="rightArrow">
-            <a:avLst/>
+            <a:avLst>
+              <a:gd name="adj1" fmla="val 65837"/>
+              <a:gd name="adj2" fmla="val 50000"/>
+            </a:avLst>
           </a:prstGeom>
         </p:spPr>
         <p:style>
@@ -4602,7 +4209,7 @@
           <a:p>
             <a:pPr algn="ctr"/>
             <a:r>
-              <a:rPr lang="es-NI" sz="1100" dirty="0"/>
+              <a:rPr lang="es-NI" sz="1400" b="1" dirty="0"/>
               <a:t>Promover  la robótica  utilizando el estándar de FACTO de Robótica en el mundo</a:t>
             </a:r>
           </a:p>
@@ -4625,7 +4232,7 @@
         </p:nvCxnSpPr>
         <p:spPr>
           <a:xfrm flipH="1" flipV="1">
-            <a:off x="3091764" y="1002832"/>
+            <a:off x="15151998" y="18309792"/>
             <a:ext cx="1" cy="382664"/>
           </a:xfrm>
           <a:prstGeom prst="straightConnector1">
@@ -4670,7 +4277,7 @@
         </p:nvCxnSpPr>
         <p:spPr>
           <a:xfrm>
-            <a:off x="3091765" y="2475990"/>
+            <a:off x="15151998" y="19782950"/>
             <a:ext cx="0" cy="382664"/>
           </a:xfrm>
           <a:prstGeom prst="straightConnector1">
@@ -4712,7 +4319,7 @@
         </p:nvSpPr>
         <p:spPr>
           <a:xfrm>
-            <a:off x="2031141" y="80187"/>
+            <a:off x="14091375" y="17387147"/>
             <a:ext cx="2121245" cy="901016"/>
           </a:xfrm>
           <a:prstGeom prst="flowChartMerge">
@@ -4761,7 +4368,7 @@
         </p:nvSpPr>
         <p:spPr>
           <a:xfrm>
-            <a:off x="1924050" y="2880283"/>
+            <a:off x="13984284" y="20187243"/>
             <a:ext cx="2335427" cy="807716"/>
           </a:xfrm>
           <a:prstGeom prst="flowChartExtract">
@@ -4796,6 +4403,58 @@
           </a:p>
         </p:txBody>
       </p:sp>
+      <p:sp>
+        <p:nvSpPr>
+          <p:cNvPr id="15" name="Flecha: a la derecha 14">
+            <a:extLst>
+              <a:ext uri="{FF2B5EF4-FFF2-40B4-BE49-F238E27FC236}">
+                <a16:creationId xmlns:a16="http://schemas.microsoft.com/office/drawing/2014/main" id="{865620B9-8646-4BA0-AC43-CF47559106A8}"/>
+              </a:ext>
+            </a:extLst>
+          </p:cNvPr>
+          <p:cNvSpPr/>
+          <p:nvPr/>
+        </p:nvSpPr>
+        <p:spPr>
+          <a:xfrm>
+            <a:off x="15994369" y="15043640"/>
+            <a:ext cx="1935887" cy="1855822"/>
+          </a:xfrm>
+          <a:prstGeom prst="rightArrow">
+            <a:avLst>
+              <a:gd name="adj1" fmla="val 64078"/>
+              <a:gd name="adj2" fmla="val 49120"/>
+            </a:avLst>
+          </a:prstGeom>
+        </p:spPr>
+        <p:style>
+          <a:lnRef idx="2">
+            <a:schemeClr val="accent1">
+              <a:shade val="50000"/>
+            </a:schemeClr>
+          </a:lnRef>
+          <a:fillRef idx="1">
+            <a:schemeClr val="accent1"/>
+          </a:fillRef>
+          <a:effectRef idx="0">
+            <a:schemeClr val="accent1"/>
+          </a:effectRef>
+          <a:fontRef idx="minor">
+            <a:schemeClr val="lt1"/>
+          </a:fontRef>
+        </p:style>
+        <p:txBody>
+          <a:bodyPr rtlCol="0" anchor="ctr"/>
+          <a:lstStyle/>
+          <a:p>
+            <a:pPr algn="ctr"/>
+            <a:r>
+              <a:rPr lang="es-NI" sz="1400" b="1" dirty="0"/>
+              <a:t>Entrevista con Profesionales en la industria y catedráticos de la Universidad</a:t>
+            </a:r>
+          </a:p>
+        </p:txBody>
+      </p:sp>
     </p:spTree>
     <p:extLst>
       <p:ext uri="{BB962C8B-B14F-4D97-AF65-F5344CB8AC3E}">
@@ -4812,7 +4471,7 @@
 <file path=ppt/theme/theme1.xml><?xml version="1.0" encoding="utf-8"?>
 <a:theme xmlns:a="http://schemas.openxmlformats.org/drawingml/2006/main" name="Tema de Office">
   <a:themeElements>
-    <a:clrScheme name="Office">
+    <a:clrScheme name="Tema de Office">
       <a:dk1>
         <a:sysClr val="windowText" lastClr="000000"/>
       </a:dk1>
@@ -4850,7 +4509,7 @@
         <a:srgbClr val="954F72"/>
       </a:folHlink>
     </a:clrScheme>
-    <a:fontScheme name="Office">
+    <a:fontScheme name="Tema de Office">
       <a:majorFont>
         <a:latin typeface="Calibri Light" panose="020F0302020204030204"/>
         <a:ea typeface=""/>
@@ -4885,23 +4544,6 @@
         <a:font script="Viet" typeface="Times New Roman"/>
         <a:font script="Uigh" typeface="Microsoft Uighur"/>
         <a:font script="Geor" typeface="Sylfaen"/>
-        <a:font script="Armn" typeface="Arial"/>
-        <a:font script="Bugi" typeface="Leelawadee UI"/>
-        <a:font script="Bopo" typeface="Microsoft JhengHei"/>
-        <a:font script="Java" typeface="Javanese Text"/>
-        <a:font script="Lisu" typeface="Segoe UI"/>
-        <a:font script="Mymr" typeface="Myanmar Text"/>
-        <a:font script="Nkoo" typeface="Ebrima"/>
-        <a:font script="Olck" typeface="Nirmala UI"/>
-        <a:font script="Osma" typeface="Ebrima"/>
-        <a:font script="Phag" typeface="Phagspa"/>
-        <a:font script="Syrn" typeface="Estrangelo Edessa"/>
-        <a:font script="Syrj" typeface="Estrangelo Edessa"/>
-        <a:font script="Syre" typeface="Estrangelo Edessa"/>
-        <a:font script="Sora" typeface="Nirmala UI"/>
-        <a:font script="Tale" typeface="Microsoft Tai Le"/>
-        <a:font script="Talu" typeface="Microsoft New Tai Lue"/>
-        <a:font script="Tfng" typeface="Ebrima"/>
       </a:majorFont>
       <a:minorFont>
         <a:latin typeface="Calibri" panose="020F0502020204030204"/>
@@ -4937,26 +4579,9 @@
         <a:font script="Viet" typeface="Arial"/>
         <a:font script="Uigh" typeface="Microsoft Uighur"/>
         <a:font script="Geor" typeface="Sylfaen"/>
-        <a:font script="Armn" typeface="Arial"/>
-        <a:font script="Bugi" typeface="Leelawadee UI"/>
-        <a:font script="Bopo" typeface="Microsoft JhengHei"/>
-        <a:font script="Java" typeface="Javanese Text"/>
-        <a:font script="Lisu" typeface="Segoe UI"/>
-        <a:font script="Mymr" typeface="Myanmar Text"/>
-        <a:font script="Nkoo" typeface="Ebrima"/>
-        <a:font script="Olck" typeface="Nirmala UI"/>
-        <a:font script="Osma" typeface="Ebrima"/>
-        <a:font script="Phag" typeface="Phagspa"/>
-        <a:font script="Syrn" typeface="Estrangelo Edessa"/>
-        <a:font script="Syrj" typeface="Estrangelo Edessa"/>
-        <a:font script="Syre" typeface="Estrangelo Edessa"/>
-        <a:font script="Sora" typeface="Nirmala UI"/>
-        <a:font script="Tale" typeface="Microsoft Tai Le"/>
-        <a:font script="Talu" typeface="Microsoft New Tai Lue"/>
-        <a:font script="Tfng" typeface="Ebrima"/>
       </a:minorFont>
     </a:fontScheme>
-    <a:fmtScheme name="Office">
+    <a:fmtScheme name="Tema de Office">
       <a:fillStyleLst>
         <a:solidFill>
           <a:schemeClr val="phClr"/>
